--- a/BSCSE/[251] Spring 2025/SOC/01-codes-of-ethics.pptx
+++ b/BSCSE/[251] Spring 2025/SOC/01-codes-of-ethics.pptx
@@ -132,7 +132,18 @@
   </p:defaultTextStyle>
   <p:extLst>
     <p:ext uri="{EFAFB233-063F-42B5-8137-9DF3F51BA10A}">
-      <p15:sldGuideLst xmlns="" xmlns:p15="http://schemas.microsoft.com/office/powerpoint/2012/main"/>
+      <p15:sldGuideLst xmlns:p15="http://schemas.microsoft.com/office/powerpoint/2012/main">
+        <p15:guide id="1" orient="horz" pos="2160">
+          <p15:clr>
+            <a:srgbClr val="A4A3A4"/>
+          </p15:clr>
+        </p15:guide>
+        <p15:guide id="2" pos="3840">
+          <p15:clr>
+            <a:srgbClr val="A4A3A4"/>
+          </p15:clr>
+        </p15:guide>
+      </p15:sldGuideLst>
     </p:ext>
   </p:extLst>
 </p:presentation>
@@ -220,7 +231,7 @@
           <a:p>
             <a:fld id="{1D8F3F73-6238-40FB-ADF9-CD174B4EE998}" type="datetimeFigureOut">
               <a:rPr lang="en-US" smtClean="0"/>
-              <a:t>5/11/2024</a:t>
+              <a:t>5/21/2025</a:t>
             </a:fld>
             <a:endParaRPr lang="en-US"/>
           </a:p>
@@ -3181,7 +3192,7 @@
           </a:lstStyle>
           <a:p>
             <a:r>
-              <a:rPr lang="en-US" smtClean="0"/>
+              <a:rPr lang="en-US"/>
               <a:t>Click to edit Master title style</a:t>
             </a:r>
             <a:endParaRPr lang="en-US" dirty="0"/>
@@ -3261,7 +3272,7 @@
           </a:lstStyle>
           <a:p>
             <a:r>
-              <a:rPr lang="en-US" smtClean="0"/>
+              <a:rPr lang="en-US"/>
               <a:t>Click to edit Master subtitle style</a:t>
             </a:r>
             <a:endParaRPr lang="en-US" dirty="0"/>
@@ -3288,7 +3299,7 @@
           </a:lstStyle>
           <a:p>
             <a:r>
-              <a:rPr lang="en-US" smtClean="0"/>
+              <a:rPr lang="en-US"/>
               <a:t>8/30/2021</a:t>
             </a:r>
             <a:endParaRPr lang="en-US" dirty="0"/>
@@ -3382,7 +3393,7 @@
           <a:lstStyle/>
           <a:p>
             <a:r>
-              <a:rPr lang="en-US" smtClean="0"/>
+              <a:rPr lang="en-US"/>
               <a:t>Click to edit Master title style</a:t>
             </a:r>
             <a:endParaRPr lang="en-US" dirty="0"/>
@@ -3406,35 +3417,35 @@
           <a:p>
             <a:pPr lvl="0"/>
             <a:r>
-              <a:rPr lang="en-US" smtClean="0"/>
+              <a:rPr lang="en-US"/>
               <a:t>Click to edit Master text styles</a:t>
             </a:r>
           </a:p>
           <a:p>
             <a:pPr lvl="1"/>
             <a:r>
-              <a:rPr lang="en-US" smtClean="0"/>
+              <a:rPr lang="en-US"/>
               <a:t>Second level</a:t>
             </a:r>
           </a:p>
           <a:p>
             <a:pPr lvl="2"/>
             <a:r>
-              <a:rPr lang="en-US" smtClean="0"/>
+              <a:rPr lang="en-US"/>
               <a:t>Third level</a:t>
             </a:r>
           </a:p>
           <a:p>
             <a:pPr lvl="3"/>
             <a:r>
-              <a:rPr lang="en-US" smtClean="0"/>
+              <a:rPr lang="en-US"/>
               <a:t>Fourth level</a:t>
             </a:r>
           </a:p>
           <a:p>
             <a:pPr lvl="4"/>
             <a:r>
-              <a:rPr lang="en-US" smtClean="0"/>
+              <a:rPr lang="en-US"/>
               <a:t>Fifth level</a:t>
             </a:r>
             <a:endParaRPr lang="en-US" dirty="0"/>
@@ -3457,7 +3468,7 @@
           <a:lstStyle/>
           <a:p>
             <a:r>
-              <a:rPr lang="en-US" smtClean="0"/>
+              <a:rPr lang="en-US"/>
               <a:t>8/30/2021</a:t>
             </a:r>
             <a:endParaRPr lang="en-US" dirty="0"/>
@@ -3556,7 +3567,7 @@
           <a:lstStyle/>
           <a:p>
             <a:r>
-              <a:rPr lang="en-US" smtClean="0"/>
+              <a:rPr lang="en-US"/>
               <a:t>Click to edit Master title style</a:t>
             </a:r>
             <a:endParaRPr lang="en-US" dirty="0"/>
@@ -3585,35 +3596,35 @@
           <a:p>
             <a:pPr lvl="0"/>
             <a:r>
-              <a:rPr lang="en-US" smtClean="0"/>
+              <a:rPr lang="en-US"/>
               <a:t>Click to edit Master text styles</a:t>
             </a:r>
           </a:p>
           <a:p>
             <a:pPr lvl="1"/>
             <a:r>
-              <a:rPr lang="en-US" smtClean="0"/>
+              <a:rPr lang="en-US"/>
               <a:t>Second level</a:t>
             </a:r>
           </a:p>
           <a:p>
             <a:pPr lvl="2"/>
             <a:r>
-              <a:rPr lang="en-US" smtClean="0"/>
+              <a:rPr lang="en-US"/>
               <a:t>Third level</a:t>
             </a:r>
           </a:p>
           <a:p>
             <a:pPr lvl="3"/>
             <a:r>
-              <a:rPr lang="en-US" smtClean="0"/>
+              <a:rPr lang="en-US"/>
               <a:t>Fourth level</a:t>
             </a:r>
           </a:p>
           <a:p>
             <a:pPr lvl="4"/>
             <a:r>
-              <a:rPr lang="en-US" smtClean="0"/>
+              <a:rPr lang="en-US"/>
               <a:t>Fifth level</a:t>
             </a:r>
             <a:endParaRPr lang="en-US" dirty="0"/>
@@ -3636,7 +3647,7 @@
           <a:lstStyle/>
           <a:p>
             <a:r>
-              <a:rPr lang="en-US" smtClean="0"/>
+              <a:rPr lang="en-US"/>
               <a:t>8/30/2021</a:t>
             </a:r>
             <a:endParaRPr lang="en-US" dirty="0"/>
@@ -3765,7 +3776,7 @@
           <a:lstStyle/>
           <a:p>
             <a:r>
-              <a:rPr lang="en-US" smtClean="0"/>
+              <a:rPr lang="en-US"/>
               <a:t>Click to edit Master title style</a:t>
             </a:r>
             <a:endParaRPr lang="en-US" dirty="0"/>
@@ -3789,35 +3800,35 @@
           <a:p>
             <a:pPr lvl="0"/>
             <a:r>
-              <a:rPr lang="en-US" smtClean="0"/>
+              <a:rPr lang="en-US"/>
               <a:t>Click to edit Master text styles</a:t>
             </a:r>
           </a:p>
           <a:p>
             <a:pPr lvl="1"/>
             <a:r>
-              <a:rPr lang="en-US" smtClean="0"/>
+              <a:rPr lang="en-US"/>
               <a:t>Second level</a:t>
             </a:r>
           </a:p>
           <a:p>
             <a:pPr lvl="2"/>
             <a:r>
-              <a:rPr lang="en-US" smtClean="0"/>
+              <a:rPr lang="en-US"/>
               <a:t>Third level</a:t>
             </a:r>
           </a:p>
           <a:p>
             <a:pPr lvl="3"/>
             <a:r>
-              <a:rPr lang="en-US" smtClean="0"/>
+              <a:rPr lang="en-US"/>
               <a:t>Fourth level</a:t>
             </a:r>
           </a:p>
           <a:p>
             <a:pPr lvl="4"/>
             <a:r>
-              <a:rPr lang="en-US" smtClean="0"/>
+              <a:rPr lang="en-US"/>
               <a:t>Fifth level</a:t>
             </a:r>
             <a:endParaRPr lang="en-US" dirty="0"/>
@@ -3840,7 +3851,7 @@
           <a:lstStyle/>
           <a:p>
             <a:r>
-              <a:rPr lang="en-US" smtClean="0"/>
+              <a:rPr lang="en-US"/>
               <a:t>8/30/2021</a:t>
             </a:r>
             <a:endParaRPr lang="en-US" dirty="0"/>
@@ -3986,7 +3997,7 @@
           </a:lstStyle>
           <a:p>
             <a:r>
-              <a:rPr lang="en-US" smtClean="0"/>
+              <a:rPr lang="en-US"/>
               <a:t>Click to edit Master title style</a:t>
             </a:r>
             <a:endParaRPr lang="en-US" dirty="0"/>
@@ -4115,7 +4126,7 @@
           <a:p>
             <a:pPr lvl="0"/>
             <a:r>
-              <a:rPr lang="en-US" smtClean="0"/>
+              <a:rPr lang="en-US"/>
               <a:t>Click to edit Master text styles</a:t>
             </a:r>
           </a:p>
@@ -4137,7 +4148,7 @@
           <a:lstStyle/>
           <a:p>
             <a:r>
-              <a:rPr lang="en-US" smtClean="0"/>
+              <a:rPr lang="en-US"/>
               <a:t>8/30/2021</a:t>
             </a:r>
             <a:endParaRPr lang="en-US" dirty="0"/>
@@ -4236,7 +4247,7 @@
           <a:lstStyle/>
           <a:p>
             <a:r>
-              <a:rPr lang="en-US" smtClean="0"/>
+              <a:rPr lang="en-US"/>
               <a:t>Click to edit Master title style</a:t>
             </a:r>
             <a:endParaRPr lang="en-US" dirty="0"/>
@@ -4265,35 +4276,35 @@
           <a:p>
             <a:pPr lvl="0"/>
             <a:r>
-              <a:rPr lang="en-US" smtClean="0"/>
+              <a:rPr lang="en-US"/>
               <a:t>Click to edit Master text styles</a:t>
             </a:r>
           </a:p>
           <a:p>
             <a:pPr lvl="1"/>
             <a:r>
-              <a:rPr lang="en-US" smtClean="0"/>
+              <a:rPr lang="en-US"/>
               <a:t>Second level</a:t>
             </a:r>
           </a:p>
           <a:p>
             <a:pPr lvl="2"/>
             <a:r>
-              <a:rPr lang="en-US" smtClean="0"/>
+              <a:rPr lang="en-US"/>
               <a:t>Third level</a:t>
             </a:r>
           </a:p>
           <a:p>
             <a:pPr lvl="3"/>
             <a:r>
-              <a:rPr lang="en-US" smtClean="0"/>
+              <a:rPr lang="en-US"/>
               <a:t>Fourth level</a:t>
             </a:r>
           </a:p>
           <a:p>
             <a:pPr lvl="4"/>
             <a:r>
-              <a:rPr lang="en-US" smtClean="0"/>
+              <a:rPr lang="en-US"/>
               <a:t>Fifth level</a:t>
             </a:r>
             <a:endParaRPr lang="en-US" dirty="0"/>
@@ -4322,35 +4333,35 @@
           <a:p>
             <a:pPr lvl="0"/>
             <a:r>
-              <a:rPr lang="en-US" smtClean="0"/>
+              <a:rPr lang="en-US"/>
               <a:t>Click to edit Master text styles</a:t>
             </a:r>
           </a:p>
           <a:p>
             <a:pPr lvl="1"/>
             <a:r>
-              <a:rPr lang="en-US" smtClean="0"/>
+              <a:rPr lang="en-US"/>
               <a:t>Second level</a:t>
             </a:r>
           </a:p>
           <a:p>
             <a:pPr lvl="2"/>
             <a:r>
-              <a:rPr lang="en-US" smtClean="0"/>
+              <a:rPr lang="en-US"/>
               <a:t>Third level</a:t>
             </a:r>
           </a:p>
           <a:p>
             <a:pPr lvl="3"/>
             <a:r>
-              <a:rPr lang="en-US" smtClean="0"/>
+              <a:rPr lang="en-US"/>
               <a:t>Fourth level</a:t>
             </a:r>
           </a:p>
           <a:p>
             <a:pPr lvl="4"/>
             <a:r>
-              <a:rPr lang="en-US" smtClean="0"/>
+              <a:rPr lang="en-US"/>
               <a:t>Fifth level</a:t>
             </a:r>
             <a:endParaRPr lang="en-US" dirty="0"/>
@@ -4373,7 +4384,7 @@
           <a:lstStyle/>
           <a:p>
             <a:r>
-              <a:rPr lang="en-US" smtClean="0"/>
+              <a:rPr lang="en-US"/>
               <a:t>8/30/2021</a:t>
             </a:r>
             <a:endParaRPr lang="en-US" dirty="0"/>
@@ -4472,7 +4483,7 @@
           <a:lstStyle/>
           <a:p>
             <a:r>
-              <a:rPr lang="en-US" smtClean="0"/>
+              <a:rPr lang="en-US"/>
               <a:t>Click to edit Master title style</a:t>
             </a:r>
             <a:endParaRPr lang="en-US" dirty="0"/>
@@ -4553,7 +4564,7 @@
           <a:p>
             <a:pPr lvl="0"/>
             <a:r>
-              <a:rPr lang="en-US" smtClean="0"/>
+              <a:rPr lang="en-US"/>
               <a:t>Click to edit Master text styles</a:t>
             </a:r>
           </a:p>
@@ -4581,35 +4592,35 @@
           <a:p>
             <a:pPr lvl="0"/>
             <a:r>
-              <a:rPr lang="en-US" smtClean="0"/>
+              <a:rPr lang="en-US"/>
               <a:t>Click to edit Master text styles</a:t>
             </a:r>
           </a:p>
           <a:p>
             <a:pPr lvl="1"/>
             <a:r>
-              <a:rPr lang="en-US" smtClean="0"/>
+              <a:rPr lang="en-US"/>
               <a:t>Second level</a:t>
             </a:r>
           </a:p>
           <a:p>
             <a:pPr lvl="2"/>
             <a:r>
-              <a:rPr lang="en-US" smtClean="0"/>
+              <a:rPr lang="en-US"/>
               <a:t>Third level</a:t>
             </a:r>
           </a:p>
           <a:p>
             <a:pPr lvl="3"/>
             <a:r>
-              <a:rPr lang="en-US" smtClean="0"/>
+              <a:rPr lang="en-US"/>
               <a:t>Fourth level</a:t>
             </a:r>
           </a:p>
           <a:p>
             <a:pPr lvl="4"/>
             <a:r>
-              <a:rPr lang="en-US" smtClean="0"/>
+              <a:rPr lang="en-US"/>
               <a:t>Fifth level</a:t>
             </a:r>
             <a:endParaRPr lang="en-US" dirty="0"/>
@@ -4700,7 +4711,7 @@
               <a:buNone/>
             </a:pPr>
             <a:r>
-              <a:rPr lang="en-US" smtClean="0"/>
+              <a:rPr lang="en-US"/>
               <a:t>Click to edit Master text styles</a:t>
             </a:r>
           </a:p>
@@ -4728,35 +4739,35 @@
           <a:p>
             <a:pPr lvl="0"/>
             <a:r>
-              <a:rPr lang="en-US" smtClean="0"/>
+              <a:rPr lang="en-US"/>
               <a:t>Click to edit Master text styles</a:t>
             </a:r>
           </a:p>
           <a:p>
             <a:pPr lvl="1"/>
             <a:r>
-              <a:rPr lang="en-US" smtClean="0"/>
+              <a:rPr lang="en-US"/>
               <a:t>Second level</a:t>
             </a:r>
           </a:p>
           <a:p>
             <a:pPr lvl="2"/>
             <a:r>
-              <a:rPr lang="en-US" smtClean="0"/>
+              <a:rPr lang="en-US"/>
               <a:t>Third level</a:t>
             </a:r>
           </a:p>
           <a:p>
             <a:pPr lvl="3"/>
             <a:r>
-              <a:rPr lang="en-US" smtClean="0"/>
+              <a:rPr lang="en-US"/>
               <a:t>Fourth level</a:t>
             </a:r>
           </a:p>
           <a:p>
             <a:pPr lvl="4"/>
             <a:r>
-              <a:rPr lang="en-US" smtClean="0"/>
+              <a:rPr lang="en-US"/>
               <a:t>Fifth level</a:t>
             </a:r>
             <a:endParaRPr lang="en-US" dirty="0"/>
@@ -4779,7 +4790,7 @@
           <a:lstStyle/>
           <a:p>
             <a:r>
-              <a:rPr lang="en-US" smtClean="0"/>
+              <a:rPr lang="en-US"/>
               <a:t>8/30/2021</a:t>
             </a:r>
             <a:endParaRPr lang="en-US" dirty="0"/>
@@ -4873,7 +4884,7 @@
           <a:lstStyle/>
           <a:p>
             <a:r>
-              <a:rPr lang="en-US" smtClean="0"/>
+              <a:rPr lang="en-US"/>
               <a:t>Click to edit Master title style</a:t>
             </a:r>
             <a:endParaRPr lang="en-US" dirty="0"/>
@@ -4896,7 +4907,7 @@
           <a:lstStyle/>
           <a:p>
             <a:r>
-              <a:rPr lang="en-US" smtClean="0"/>
+              <a:rPr lang="en-US"/>
               <a:t>8/30/2021</a:t>
             </a:r>
             <a:endParaRPr lang="en-US" dirty="0"/>
@@ -4990,7 +5001,7 @@
           <a:lstStyle/>
           <a:p>
             <a:r>
-              <a:rPr lang="en-US" smtClean="0"/>
+              <a:rPr lang="en-US"/>
               <a:t>8/30/2021</a:t>
             </a:r>
             <a:endParaRPr lang="en-US" dirty="0"/>
@@ -5098,7 +5109,7 @@
           </a:lstStyle>
           <a:p>
             <a:r>
-              <a:rPr lang="en-US" smtClean="0"/>
+              <a:rPr lang="en-US"/>
               <a:t>Click to edit Master title style</a:t>
             </a:r>
             <a:endParaRPr lang="en-US" dirty="0"/>
@@ -5155,35 +5166,35 @@
           <a:p>
             <a:pPr lvl="0"/>
             <a:r>
-              <a:rPr lang="en-US" smtClean="0"/>
+              <a:rPr lang="en-US"/>
               <a:t>Click to edit Master text styles</a:t>
             </a:r>
           </a:p>
           <a:p>
             <a:pPr lvl="1"/>
             <a:r>
-              <a:rPr lang="en-US" smtClean="0"/>
+              <a:rPr lang="en-US"/>
               <a:t>Second level</a:t>
             </a:r>
           </a:p>
           <a:p>
             <a:pPr lvl="2"/>
             <a:r>
-              <a:rPr lang="en-US" smtClean="0"/>
+              <a:rPr lang="en-US"/>
               <a:t>Third level</a:t>
             </a:r>
           </a:p>
           <a:p>
             <a:pPr lvl="3"/>
             <a:r>
-              <a:rPr lang="en-US" smtClean="0"/>
+              <a:rPr lang="en-US"/>
               <a:t>Fourth level</a:t>
             </a:r>
           </a:p>
           <a:p>
             <a:pPr lvl="4"/>
             <a:r>
-              <a:rPr lang="en-US" smtClean="0"/>
+              <a:rPr lang="en-US"/>
               <a:t>Fifth level</a:t>
             </a:r>
             <a:endParaRPr lang="en-US" dirty="0"/>
@@ -5257,7 +5268,7 @@
           <a:p>
             <a:pPr lvl="0"/>
             <a:r>
-              <a:rPr lang="en-US" smtClean="0"/>
+              <a:rPr lang="en-US"/>
               <a:t>Click to edit Master text styles</a:t>
             </a:r>
           </a:p>
@@ -5279,7 +5290,7 @@
           <a:lstStyle/>
           <a:p>
             <a:r>
-              <a:rPr lang="en-US" smtClean="0"/>
+              <a:rPr lang="en-US"/>
               <a:t>8/30/2021</a:t>
             </a:r>
             <a:endParaRPr lang="en-US" dirty="0"/>
@@ -5384,7 +5395,7 @@
           </a:lstStyle>
           <a:p>
             <a:r>
-              <a:rPr lang="en-US" smtClean="0"/>
+              <a:rPr lang="en-US"/>
               <a:t>Click to edit Master title style</a:t>
             </a:r>
             <a:endParaRPr lang="en-US" dirty="0"/>
@@ -5455,7 +5466,7 @@
           </a:lstStyle>
           <a:p>
             <a:r>
-              <a:rPr lang="en-US" smtClean="0"/>
+              <a:rPr lang="en-US"/>
               <a:t>Click icon to add picture</a:t>
             </a:r>
             <a:endParaRPr lang="en-US" dirty="0"/>
@@ -5536,7 +5547,7 @@
           <a:p>
             <a:pPr lvl="0"/>
             <a:r>
-              <a:rPr lang="en-US" smtClean="0"/>
+              <a:rPr lang="en-US"/>
               <a:t>Click to edit Master text styles</a:t>
             </a:r>
           </a:p>
@@ -5558,7 +5569,7 @@
           <a:lstStyle/>
           <a:p>
             <a:r>
-              <a:rPr lang="en-US" smtClean="0"/>
+              <a:rPr lang="en-US"/>
               <a:t>8/30/2021</a:t>
             </a:r>
             <a:endParaRPr lang="en-US" dirty="0"/>
@@ -5702,7 +5713,7 @@
           <a:lstStyle/>
           <a:p>
             <a:r>
-              <a:rPr lang="en-US" smtClean="0"/>
+              <a:rPr lang="en-US"/>
               <a:t>Click to edit Master title style</a:t>
             </a:r>
             <a:endParaRPr lang="en-US" dirty="0"/>
@@ -5807,7 +5818,7 @@
           </a:lstStyle>
           <a:p>
             <a:r>
-              <a:rPr lang="en-US" smtClean="0"/>
+              <a:rPr lang="en-US"/>
               <a:t>8/30/2021</a:t>
             </a:r>
             <a:endParaRPr lang="en-US" dirty="0"/>
@@ -6431,109 +6442,24 @@
             </a:pPr>
             <a:r>
               <a:rPr lang="en-US" dirty="0"/>
-              <a:t>Course teacher: </a:t>
-            </a:r>
-            <a:r>
-              <a:rPr lang="en-US" dirty="0" err="1" smtClean="0"/>
-              <a:t>Minhajul</a:t>
-            </a:r>
-            <a:r>
-              <a:rPr lang="en-US" dirty="0" smtClean="0"/>
-              <a:t> Bashir</a:t>
-            </a:r>
+              <a:t>Course teacher: Shekh. Md. Saifur Rahman</a:t>
+            </a:r>
+          </a:p>
+          <a:p>
+            <a:pPr marL="0" lvl="0" indent="0" algn="l" rtl="0">
+              <a:lnSpc>
+                <a:spcPct val="100000"/>
+              </a:lnSpc>
+              <a:spcBef>
+                <a:spcPts val="200"/>
+              </a:spcBef>
+              <a:spcAft>
+                <a:spcPts val="0"/>
+              </a:spcAft>
+              <a:buSzPts val="2800"/>
+              <a:buNone/>
+            </a:pPr>
             <a:endParaRPr dirty="0"/>
-          </a:p>
-        </p:txBody>
-      </p:sp>
-      <p:sp>
-        <p:nvSpPr>
-          <p:cNvPr id="95" name="Google Shape;95;p1"/>
-          <p:cNvSpPr txBox="1">
-            <a:spLocks noGrp="1"/>
-          </p:cNvSpPr>
-          <p:nvPr>
-            <p:ph type="dt" idx="10"/>
-          </p:nvPr>
-        </p:nvSpPr>
-        <p:spPr>
-          <a:xfrm>
-            <a:off x="1024128" y="6470704"/>
-            <a:ext cx="2154142" cy="274320"/>
-          </a:xfrm>
-          <a:prstGeom prst="rect">
-            <a:avLst/>
-          </a:prstGeom>
-          <a:noFill/>
-          <a:ln>
-            <a:noFill/>
-          </a:ln>
-        </p:spPr>
-        <p:txBody>
-          <a:bodyPr spcFirstLastPara="1" wrap="square" lIns="91425" tIns="45700" rIns="91425" bIns="45700" anchor="ctr" anchorCtr="0">
-            <a:noAutofit/>
-          </a:bodyPr>
-          <a:lstStyle/>
-          <a:p>
-            <a:pPr marL="0" lvl="0" indent="0" algn="l" rtl="0">
-              <a:spcBef>
-                <a:spcPts val="0"/>
-              </a:spcBef>
-              <a:spcAft>
-                <a:spcPts val="0"/>
-              </a:spcAft>
-              <a:buNone/>
-            </a:pPr>
-            <a:r>
-              <a:rPr lang="en-US" smtClean="0"/>
-              <a:t>8/30/2021</a:t>
-            </a:r>
-            <a:endParaRPr/>
-          </a:p>
-        </p:txBody>
-      </p:sp>
-      <p:sp>
-        <p:nvSpPr>
-          <p:cNvPr id="96" name="Google Shape;96;p1"/>
-          <p:cNvSpPr txBox="1">
-            <a:spLocks noGrp="1"/>
-          </p:cNvSpPr>
-          <p:nvPr>
-            <p:ph type="ftr" idx="11"/>
-          </p:nvPr>
-        </p:nvSpPr>
-        <p:spPr>
-          <a:xfrm>
-            <a:off x="4842932" y="6470704"/>
-            <a:ext cx="5901458" cy="274320"/>
-          </a:xfrm>
-          <a:prstGeom prst="rect">
-            <a:avLst/>
-          </a:prstGeom>
-          <a:noFill/>
-          <a:ln>
-            <a:noFill/>
-          </a:ln>
-        </p:spPr>
-        <p:txBody>
-          <a:bodyPr spcFirstLastPara="1" wrap="square" lIns="91425" tIns="45700" rIns="91425" bIns="45700" anchor="ctr" anchorCtr="0">
-            <a:noAutofit/>
-          </a:bodyPr>
-          <a:lstStyle/>
-          <a:p>
-            <a:pPr marL="0" lvl="0" indent="0" algn="r" rtl="0">
-              <a:spcBef>
-                <a:spcPts val="0"/>
-              </a:spcBef>
-              <a:spcAft>
-                <a:spcPts val="0"/>
-              </a:spcAft>
-              <a:buNone/>
-            </a:pPr>
-            <a:r>
-              <a:rPr lang="en-US" smtClean="0"/>
-              <a:t>minhajul@cse.uiu.ac.bd</a:t>
-            </a:r>
-            <a:endParaRPr/>
           </a:p>
         </p:txBody>
       </p:sp>
@@ -6843,98 +6769,6 @@
       </p:sp>
       <p:sp>
         <p:nvSpPr>
-          <p:cNvPr id="177" name="Google Shape;177;p10"/>
-          <p:cNvSpPr txBox="1">
-            <a:spLocks noGrp="1"/>
-          </p:cNvSpPr>
-          <p:nvPr>
-            <p:ph type="dt" idx="10"/>
-          </p:nvPr>
-        </p:nvSpPr>
-        <p:spPr>
-          <a:xfrm>
-            <a:off x="1024128" y="6470704"/>
-            <a:ext cx="2154142" cy="274320"/>
-          </a:xfrm>
-          <a:prstGeom prst="rect">
-            <a:avLst/>
-          </a:prstGeom>
-          <a:noFill/>
-          <a:ln>
-            <a:noFill/>
-          </a:ln>
-        </p:spPr>
-        <p:txBody>
-          <a:bodyPr spcFirstLastPara="1" wrap="square" lIns="91425" tIns="45700" rIns="91425" bIns="45700" anchor="ctr" anchorCtr="0">
-            <a:noAutofit/>
-          </a:bodyPr>
-          <a:lstStyle/>
-          <a:p>
-            <a:pPr marL="0" lvl="0" indent="0" algn="l" rtl="0">
-              <a:spcBef>
-                <a:spcPts val="0"/>
-              </a:spcBef>
-              <a:spcAft>
-                <a:spcPts val="0"/>
-              </a:spcAft>
-              <a:buNone/>
-            </a:pPr>
-            <a:r>
-              <a:rPr lang="en-US" smtClean="0"/>
-              <a:t>8/30/2021</a:t>
-            </a:r>
-            <a:endParaRPr/>
-          </a:p>
-        </p:txBody>
-      </p:sp>
-      <p:sp>
-        <p:nvSpPr>
-          <p:cNvPr id="178" name="Google Shape;178;p10"/>
-          <p:cNvSpPr txBox="1">
-            <a:spLocks noGrp="1"/>
-          </p:cNvSpPr>
-          <p:nvPr>
-            <p:ph type="ftr" idx="11"/>
-          </p:nvPr>
-        </p:nvSpPr>
-        <p:spPr>
-          <a:xfrm>
-            <a:off x="4842932" y="6470704"/>
-            <a:ext cx="5901458" cy="274320"/>
-          </a:xfrm>
-          <a:prstGeom prst="rect">
-            <a:avLst/>
-          </a:prstGeom>
-          <a:noFill/>
-          <a:ln>
-            <a:noFill/>
-          </a:ln>
-        </p:spPr>
-        <p:txBody>
-          <a:bodyPr spcFirstLastPara="1" wrap="square" lIns="91425" tIns="45700" rIns="91425" bIns="45700" anchor="ctr" anchorCtr="0">
-            <a:noAutofit/>
-          </a:bodyPr>
-          <a:lstStyle/>
-          <a:p>
-            <a:pPr marL="0" lvl="0" indent="0" algn="r" rtl="0">
-              <a:spcBef>
-                <a:spcPts val="0"/>
-              </a:spcBef>
-              <a:spcAft>
-                <a:spcPts val="0"/>
-              </a:spcAft>
-              <a:buNone/>
-            </a:pPr>
-            <a:r>
-              <a:rPr lang="en-US" smtClean="0"/>
-              <a:t>minhajul@cse.uiu.ac.bd</a:t>
-            </a:r>
-            <a:endParaRPr/>
-          </a:p>
-        </p:txBody>
-      </p:sp>
-      <p:sp>
-        <p:nvSpPr>
           <p:cNvPr id="179" name="Google Shape;179;p10"/>
           <p:cNvSpPr txBox="1">
             <a:spLocks noGrp="1"/>
@@ -7245,98 +7079,6 @@
       </p:sp>
       <p:sp>
         <p:nvSpPr>
-          <p:cNvPr id="186" name="Google Shape;186;p11"/>
-          <p:cNvSpPr txBox="1">
-            <a:spLocks noGrp="1"/>
-          </p:cNvSpPr>
-          <p:nvPr>
-            <p:ph type="dt" idx="10"/>
-          </p:nvPr>
-        </p:nvSpPr>
-        <p:spPr>
-          <a:xfrm>
-            <a:off x="1024128" y="6470704"/>
-            <a:ext cx="2154142" cy="274320"/>
-          </a:xfrm>
-          <a:prstGeom prst="rect">
-            <a:avLst/>
-          </a:prstGeom>
-          <a:noFill/>
-          <a:ln>
-            <a:noFill/>
-          </a:ln>
-        </p:spPr>
-        <p:txBody>
-          <a:bodyPr spcFirstLastPara="1" wrap="square" lIns="91425" tIns="45700" rIns="91425" bIns="45700" anchor="ctr" anchorCtr="0">
-            <a:noAutofit/>
-          </a:bodyPr>
-          <a:lstStyle/>
-          <a:p>
-            <a:pPr marL="0" lvl="0" indent="0" algn="l" rtl="0">
-              <a:spcBef>
-                <a:spcPts val="0"/>
-              </a:spcBef>
-              <a:spcAft>
-                <a:spcPts val="0"/>
-              </a:spcAft>
-              <a:buNone/>
-            </a:pPr>
-            <a:r>
-              <a:rPr lang="en-US" smtClean="0"/>
-              <a:t>8/30/2021</a:t>
-            </a:r>
-            <a:endParaRPr/>
-          </a:p>
-        </p:txBody>
-      </p:sp>
-      <p:sp>
-        <p:nvSpPr>
-          <p:cNvPr id="187" name="Google Shape;187;p11"/>
-          <p:cNvSpPr txBox="1">
-            <a:spLocks noGrp="1"/>
-          </p:cNvSpPr>
-          <p:nvPr>
-            <p:ph type="ftr" idx="11"/>
-          </p:nvPr>
-        </p:nvSpPr>
-        <p:spPr>
-          <a:xfrm>
-            <a:off x="4842932" y="6470704"/>
-            <a:ext cx="5901458" cy="274320"/>
-          </a:xfrm>
-          <a:prstGeom prst="rect">
-            <a:avLst/>
-          </a:prstGeom>
-          <a:noFill/>
-          <a:ln>
-            <a:noFill/>
-          </a:ln>
-        </p:spPr>
-        <p:txBody>
-          <a:bodyPr spcFirstLastPara="1" wrap="square" lIns="91425" tIns="45700" rIns="91425" bIns="45700" anchor="ctr" anchorCtr="0">
-            <a:noAutofit/>
-          </a:bodyPr>
-          <a:lstStyle/>
-          <a:p>
-            <a:pPr marL="0" lvl="0" indent="0" algn="r" rtl="0">
-              <a:spcBef>
-                <a:spcPts val="0"/>
-              </a:spcBef>
-              <a:spcAft>
-                <a:spcPts val="0"/>
-              </a:spcAft>
-              <a:buNone/>
-            </a:pPr>
-            <a:r>
-              <a:rPr lang="en-US" smtClean="0"/>
-              <a:t>minhajul@cse.uiu.ac.bd</a:t>
-            </a:r>
-            <a:endParaRPr/>
-          </a:p>
-        </p:txBody>
-      </p:sp>
-      <p:sp>
-        <p:nvSpPr>
           <p:cNvPr id="188" name="Google Shape;188;p11"/>
           <p:cNvSpPr txBox="1">
             <a:spLocks noGrp="1"/>
@@ -7613,98 +7355,6 @@
       </p:sp>
       <p:sp>
         <p:nvSpPr>
-          <p:cNvPr id="195" name="Google Shape;195;p12"/>
-          <p:cNvSpPr txBox="1">
-            <a:spLocks noGrp="1"/>
-          </p:cNvSpPr>
-          <p:nvPr>
-            <p:ph type="dt" idx="10"/>
-          </p:nvPr>
-        </p:nvSpPr>
-        <p:spPr>
-          <a:xfrm>
-            <a:off x="1024128" y="6470704"/>
-            <a:ext cx="2154142" cy="274320"/>
-          </a:xfrm>
-          <a:prstGeom prst="rect">
-            <a:avLst/>
-          </a:prstGeom>
-          <a:noFill/>
-          <a:ln>
-            <a:noFill/>
-          </a:ln>
-        </p:spPr>
-        <p:txBody>
-          <a:bodyPr spcFirstLastPara="1" wrap="square" lIns="91425" tIns="45700" rIns="91425" bIns="45700" anchor="ctr" anchorCtr="0">
-            <a:noAutofit/>
-          </a:bodyPr>
-          <a:lstStyle/>
-          <a:p>
-            <a:pPr marL="0" lvl="0" indent="0" algn="l" rtl="0">
-              <a:spcBef>
-                <a:spcPts val="0"/>
-              </a:spcBef>
-              <a:spcAft>
-                <a:spcPts val="0"/>
-              </a:spcAft>
-              <a:buNone/>
-            </a:pPr>
-            <a:r>
-              <a:rPr lang="en-US" smtClean="0"/>
-              <a:t>8/30/2021</a:t>
-            </a:r>
-            <a:endParaRPr/>
-          </a:p>
-        </p:txBody>
-      </p:sp>
-      <p:sp>
-        <p:nvSpPr>
-          <p:cNvPr id="196" name="Google Shape;196;p12"/>
-          <p:cNvSpPr txBox="1">
-            <a:spLocks noGrp="1"/>
-          </p:cNvSpPr>
-          <p:nvPr>
-            <p:ph type="ftr" idx="11"/>
-          </p:nvPr>
-        </p:nvSpPr>
-        <p:spPr>
-          <a:xfrm>
-            <a:off x="4842932" y="6470704"/>
-            <a:ext cx="5901458" cy="274320"/>
-          </a:xfrm>
-          <a:prstGeom prst="rect">
-            <a:avLst/>
-          </a:prstGeom>
-          <a:noFill/>
-          <a:ln>
-            <a:noFill/>
-          </a:ln>
-        </p:spPr>
-        <p:txBody>
-          <a:bodyPr spcFirstLastPara="1" wrap="square" lIns="91425" tIns="45700" rIns="91425" bIns="45700" anchor="ctr" anchorCtr="0">
-            <a:noAutofit/>
-          </a:bodyPr>
-          <a:lstStyle/>
-          <a:p>
-            <a:pPr marL="0" lvl="0" indent="0" algn="r" rtl="0">
-              <a:spcBef>
-                <a:spcPts val="0"/>
-              </a:spcBef>
-              <a:spcAft>
-                <a:spcPts val="0"/>
-              </a:spcAft>
-              <a:buNone/>
-            </a:pPr>
-            <a:r>
-              <a:rPr lang="en-US" smtClean="0"/>
-              <a:t>minhajul@cse.uiu.ac.bd</a:t>
-            </a:r>
-            <a:endParaRPr/>
-          </a:p>
-        </p:txBody>
-      </p:sp>
-      <p:sp>
-        <p:nvSpPr>
           <p:cNvPr id="197" name="Google Shape;197;p12"/>
           <p:cNvSpPr txBox="1">
             <a:spLocks noGrp="1"/>
@@ -7876,10 +7526,10 @@
               <a:buNone/>
             </a:pPr>
             <a:r>
-              <a:rPr lang="en-US"/>
+              <a:rPr lang="en-US" dirty="0"/>
               <a:t>GENERAL ETHICAL PRINCIPLES</a:t>
             </a:r>
-            <a:endParaRPr/>
+            <a:endParaRPr dirty="0"/>
           </a:p>
           <a:p>
             <a:pPr marL="341313" lvl="0" indent="-341313" algn="l" rtl="0">
@@ -7897,18 +7547,18 @@
               <a:buChar char="▪"/>
             </a:pPr>
             <a:r>
-              <a:rPr lang="en-US"/>
+              <a:rPr lang="en-US" dirty="0"/>
               <a:t>Contribute to society and to </a:t>
             </a:r>
             <a:r>
-              <a:rPr lang="en-US" b="1"/>
+              <a:rPr lang="en-US" b="1" dirty="0"/>
               <a:t>human well-being, </a:t>
             </a:r>
             <a:r>
-              <a:rPr lang="en-US"/>
+              <a:rPr lang="en-US" dirty="0"/>
               <a:t>acknowledging that all people are stakeholders in computing.</a:t>
             </a:r>
-            <a:endParaRPr/>
+            <a:endParaRPr dirty="0"/>
           </a:p>
           <a:p>
             <a:pPr marL="341313" lvl="0" indent="-341313" algn="l" rtl="0">
@@ -7926,10 +7576,10 @@
               <a:buChar char="▪"/>
             </a:pPr>
             <a:r>
-              <a:rPr lang="en-US"/>
+              <a:rPr lang="en-US" dirty="0"/>
               <a:t>Avoid harm.</a:t>
             </a:r>
-            <a:endParaRPr/>
+            <a:endParaRPr dirty="0"/>
           </a:p>
           <a:p>
             <a:pPr marL="341313" lvl="0" indent="-341313" algn="l" rtl="0">
@@ -7947,10 +7597,10 @@
               <a:buChar char="▪"/>
             </a:pPr>
             <a:r>
-              <a:rPr lang="en-US"/>
+              <a:rPr lang="en-US" dirty="0"/>
               <a:t>Be honest and trustworthy.</a:t>
             </a:r>
-            <a:endParaRPr/>
+            <a:endParaRPr dirty="0"/>
           </a:p>
           <a:p>
             <a:pPr marL="341313" lvl="0" indent="-341313" algn="l" rtl="0">
@@ -7968,18 +7618,18 @@
               <a:buChar char="▪"/>
             </a:pPr>
             <a:r>
-              <a:rPr lang="en-US"/>
+              <a:rPr lang="en-US" dirty="0"/>
               <a:t>Be fair and take action </a:t>
             </a:r>
             <a:r>
-              <a:rPr lang="en-US" b="1"/>
+              <a:rPr lang="en-US" b="1" dirty="0"/>
               <a:t>not to discriminate</a:t>
             </a:r>
             <a:r>
-              <a:rPr lang="en-US"/>
+              <a:rPr lang="en-US" dirty="0"/>
               <a:t>.</a:t>
             </a:r>
-            <a:endParaRPr/>
+            <a:endParaRPr dirty="0"/>
           </a:p>
           <a:p>
             <a:pPr marL="341313" lvl="0" indent="-341313" algn="l" rtl="0">
@@ -7997,10 +7647,10 @@
               <a:buChar char="▪"/>
             </a:pPr>
             <a:r>
-              <a:rPr lang="en-US"/>
+              <a:rPr lang="en-US" dirty="0"/>
               <a:t>Respect the work required to produce new ideas, inventions, creative works, and computing artifacts.</a:t>
             </a:r>
-            <a:endParaRPr/>
+            <a:endParaRPr dirty="0"/>
           </a:p>
           <a:p>
             <a:pPr marL="341313" lvl="0" indent="-341313" algn="l" rtl="0">
@@ -8018,14 +7668,14 @@
               <a:buChar char="▪"/>
             </a:pPr>
             <a:r>
-              <a:rPr lang="en-US" b="1"/>
+              <a:rPr lang="en-US" b="1" dirty="0"/>
               <a:t>Respect privacy</a:t>
             </a:r>
             <a:r>
-              <a:rPr lang="en-US"/>
+              <a:rPr lang="en-US" dirty="0"/>
               <a:t>.</a:t>
             </a:r>
-            <a:endParaRPr/>
+            <a:endParaRPr dirty="0"/>
           </a:p>
           <a:p>
             <a:pPr marL="341313" lvl="0" indent="-341313" algn="l" rtl="0">
@@ -8043,10 +7693,10 @@
               <a:buChar char="▪"/>
             </a:pPr>
             <a:r>
-              <a:rPr lang="en-US"/>
+              <a:rPr lang="en-US" dirty="0"/>
               <a:t>Honor confidentiality.</a:t>
             </a:r>
-            <a:endParaRPr/>
+            <a:endParaRPr dirty="0"/>
           </a:p>
           <a:p>
             <a:pPr marL="265176" lvl="1" indent="-31432" algn="l" rtl="0">
@@ -8062,7 +7712,7 @@
               <a:buSzPct val="100000"/>
               <a:buNone/>
             </a:pPr>
-            <a:endParaRPr/>
+            <a:endParaRPr dirty="0"/>
           </a:p>
           <a:p>
             <a:pPr marL="91440" lvl="0" indent="0" algn="l" rtl="0">
@@ -8078,99 +7728,7 @@
               <a:buSzPct val="100000"/>
               <a:buNone/>
             </a:pPr>
-            <a:endParaRPr/>
-          </a:p>
-        </p:txBody>
-      </p:sp>
-      <p:sp>
-        <p:nvSpPr>
-          <p:cNvPr id="204" name="Google Shape;204;p13"/>
-          <p:cNvSpPr txBox="1">
-            <a:spLocks noGrp="1"/>
-          </p:cNvSpPr>
-          <p:nvPr>
-            <p:ph type="dt" idx="10"/>
-          </p:nvPr>
-        </p:nvSpPr>
-        <p:spPr>
-          <a:xfrm>
-            <a:off x="1024128" y="6470704"/>
-            <a:ext cx="2154142" cy="274320"/>
-          </a:xfrm>
-          <a:prstGeom prst="rect">
-            <a:avLst/>
-          </a:prstGeom>
-          <a:noFill/>
-          <a:ln>
-            <a:noFill/>
-          </a:ln>
-        </p:spPr>
-        <p:txBody>
-          <a:bodyPr spcFirstLastPara="1" wrap="square" lIns="91425" tIns="45700" rIns="91425" bIns="45700" anchor="ctr" anchorCtr="0">
-            <a:noAutofit/>
-          </a:bodyPr>
-          <a:lstStyle/>
-          <a:p>
-            <a:pPr marL="0" lvl="0" indent="0" algn="l" rtl="0">
-              <a:spcBef>
-                <a:spcPts val="0"/>
-              </a:spcBef>
-              <a:spcAft>
-                <a:spcPts val="0"/>
-              </a:spcAft>
-              <a:buNone/>
-            </a:pPr>
-            <a:r>
-              <a:rPr lang="en-US" smtClean="0"/>
-              <a:t>8/30/2021</a:t>
-            </a:r>
-            <a:endParaRPr/>
-          </a:p>
-        </p:txBody>
-      </p:sp>
-      <p:sp>
-        <p:nvSpPr>
-          <p:cNvPr id="205" name="Google Shape;205;p13"/>
-          <p:cNvSpPr txBox="1">
-            <a:spLocks noGrp="1"/>
-          </p:cNvSpPr>
-          <p:nvPr>
-            <p:ph type="ftr" idx="11"/>
-          </p:nvPr>
-        </p:nvSpPr>
-        <p:spPr>
-          <a:xfrm>
-            <a:off x="4842932" y="6470704"/>
-            <a:ext cx="5901458" cy="274320"/>
-          </a:xfrm>
-          <a:prstGeom prst="rect">
-            <a:avLst/>
-          </a:prstGeom>
-          <a:noFill/>
-          <a:ln>
-            <a:noFill/>
-          </a:ln>
-        </p:spPr>
-        <p:txBody>
-          <a:bodyPr spcFirstLastPara="1" wrap="square" lIns="91425" tIns="45700" rIns="91425" bIns="45700" anchor="ctr" anchorCtr="0">
-            <a:noAutofit/>
-          </a:bodyPr>
-          <a:lstStyle/>
-          <a:p>
-            <a:pPr marL="0" lvl="0" indent="0" algn="r" rtl="0">
-              <a:spcBef>
-                <a:spcPts val="0"/>
-              </a:spcBef>
-              <a:spcAft>
-                <a:spcPts val="0"/>
-              </a:spcAft>
-              <a:buNone/>
-            </a:pPr>
-            <a:r>
-              <a:rPr lang="en-US" smtClean="0"/>
-              <a:t>minhajul@cse.uiu.ac.bd</a:t>
-            </a:r>
-            <a:endParaRPr/>
+            <a:endParaRPr dirty="0"/>
           </a:p>
         </p:txBody>
       </p:sp>
@@ -8573,98 +8131,6 @@
       </p:sp>
       <p:sp>
         <p:nvSpPr>
-          <p:cNvPr id="213" name="Google Shape;213;p14"/>
-          <p:cNvSpPr txBox="1">
-            <a:spLocks noGrp="1"/>
-          </p:cNvSpPr>
-          <p:nvPr>
-            <p:ph type="dt" idx="10"/>
-          </p:nvPr>
-        </p:nvSpPr>
-        <p:spPr>
-          <a:xfrm>
-            <a:off x="1024128" y="6470704"/>
-            <a:ext cx="2154142" cy="274320"/>
-          </a:xfrm>
-          <a:prstGeom prst="rect">
-            <a:avLst/>
-          </a:prstGeom>
-          <a:noFill/>
-          <a:ln>
-            <a:noFill/>
-          </a:ln>
-        </p:spPr>
-        <p:txBody>
-          <a:bodyPr spcFirstLastPara="1" wrap="square" lIns="91425" tIns="45700" rIns="91425" bIns="45700" anchor="ctr" anchorCtr="0">
-            <a:noAutofit/>
-          </a:bodyPr>
-          <a:lstStyle/>
-          <a:p>
-            <a:pPr marL="0" lvl="0" indent="0" algn="l" rtl="0">
-              <a:spcBef>
-                <a:spcPts val="0"/>
-              </a:spcBef>
-              <a:spcAft>
-                <a:spcPts val="0"/>
-              </a:spcAft>
-              <a:buNone/>
-            </a:pPr>
-            <a:r>
-              <a:rPr lang="en-US" smtClean="0"/>
-              <a:t>8/30/2021</a:t>
-            </a:r>
-            <a:endParaRPr/>
-          </a:p>
-        </p:txBody>
-      </p:sp>
-      <p:sp>
-        <p:nvSpPr>
-          <p:cNvPr id="214" name="Google Shape;214;p14"/>
-          <p:cNvSpPr txBox="1">
-            <a:spLocks noGrp="1"/>
-          </p:cNvSpPr>
-          <p:nvPr>
-            <p:ph type="ftr" idx="11"/>
-          </p:nvPr>
-        </p:nvSpPr>
-        <p:spPr>
-          <a:xfrm>
-            <a:off x="4842932" y="6470704"/>
-            <a:ext cx="5901458" cy="274320"/>
-          </a:xfrm>
-          <a:prstGeom prst="rect">
-            <a:avLst/>
-          </a:prstGeom>
-          <a:noFill/>
-          <a:ln>
-            <a:noFill/>
-          </a:ln>
-        </p:spPr>
-        <p:txBody>
-          <a:bodyPr spcFirstLastPara="1" wrap="square" lIns="91425" tIns="45700" rIns="91425" bIns="45700" anchor="ctr" anchorCtr="0">
-            <a:noAutofit/>
-          </a:bodyPr>
-          <a:lstStyle/>
-          <a:p>
-            <a:pPr marL="0" lvl="0" indent="0" algn="r" rtl="0">
-              <a:spcBef>
-                <a:spcPts val="0"/>
-              </a:spcBef>
-              <a:spcAft>
-                <a:spcPts val="0"/>
-              </a:spcAft>
-              <a:buNone/>
-            </a:pPr>
-            <a:r>
-              <a:rPr lang="en-US" smtClean="0"/>
-              <a:t>minhajul@cse.uiu.ac.bd</a:t>
-            </a:r>
-            <a:endParaRPr/>
-          </a:p>
-        </p:txBody>
-      </p:sp>
-      <p:sp>
-        <p:nvSpPr>
           <p:cNvPr id="215" name="Google Shape;215;p14"/>
           <p:cNvSpPr txBox="1">
             <a:spLocks noGrp="1"/>
@@ -9012,98 +8478,6 @@
       </p:sp>
       <p:sp>
         <p:nvSpPr>
-          <p:cNvPr id="222" name="Google Shape;222;p15"/>
-          <p:cNvSpPr txBox="1">
-            <a:spLocks noGrp="1"/>
-          </p:cNvSpPr>
-          <p:nvPr>
-            <p:ph type="dt" idx="10"/>
-          </p:nvPr>
-        </p:nvSpPr>
-        <p:spPr>
-          <a:xfrm>
-            <a:off x="1024128" y="6470704"/>
-            <a:ext cx="2154142" cy="274320"/>
-          </a:xfrm>
-          <a:prstGeom prst="rect">
-            <a:avLst/>
-          </a:prstGeom>
-          <a:noFill/>
-          <a:ln>
-            <a:noFill/>
-          </a:ln>
-        </p:spPr>
-        <p:txBody>
-          <a:bodyPr spcFirstLastPara="1" wrap="square" lIns="91425" tIns="45700" rIns="91425" bIns="45700" anchor="ctr" anchorCtr="0">
-            <a:noAutofit/>
-          </a:bodyPr>
-          <a:lstStyle/>
-          <a:p>
-            <a:pPr marL="0" lvl="0" indent="0" algn="l" rtl="0">
-              <a:spcBef>
-                <a:spcPts val="0"/>
-              </a:spcBef>
-              <a:spcAft>
-                <a:spcPts val="0"/>
-              </a:spcAft>
-              <a:buNone/>
-            </a:pPr>
-            <a:r>
-              <a:rPr lang="en-US" smtClean="0"/>
-              <a:t>8/30/2021</a:t>
-            </a:r>
-            <a:endParaRPr/>
-          </a:p>
-        </p:txBody>
-      </p:sp>
-      <p:sp>
-        <p:nvSpPr>
-          <p:cNvPr id="223" name="Google Shape;223;p15"/>
-          <p:cNvSpPr txBox="1">
-            <a:spLocks noGrp="1"/>
-          </p:cNvSpPr>
-          <p:nvPr>
-            <p:ph type="ftr" idx="11"/>
-          </p:nvPr>
-        </p:nvSpPr>
-        <p:spPr>
-          <a:xfrm>
-            <a:off x="4842932" y="6470704"/>
-            <a:ext cx="5901458" cy="274320"/>
-          </a:xfrm>
-          <a:prstGeom prst="rect">
-            <a:avLst/>
-          </a:prstGeom>
-          <a:noFill/>
-          <a:ln>
-            <a:noFill/>
-          </a:ln>
-        </p:spPr>
-        <p:txBody>
-          <a:bodyPr spcFirstLastPara="1" wrap="square" lIns="91425" tIns="45700" rIns="91425" bIns="45700" anchor="ctr" anchorCtr="0">
-            <a:noAutofit/>
-          </a:bodyPr>
-          <a:lstStyle/>
-          <a:p>
-            <a:pPr marL="0" lvl="0" indent="0" algn="r" rtl="0">
-              <a:spcBef>
-                <a:spcPts val="0"/>
-              </a:spcBef>
-              <a:spcAft>
-                <a:spcPts val="0"/>
-              </a:spcAft>
-              <a:buNone/>
-            </a:pPr>
-            <a:r>
-              <a:rPr lang="en-US" smtClean="0"/>
-              <a:t>minhajul@cse.uiu.ac.bd</a:t>
-            </a:r>
-            <a:endParaRPr/>
-          </a:p>
-        </p:txBody>
-      </p:sp>
-      <p:sp>
-        <p:nvSpPr>
           <p:cNvPr id="224" name="Google Shape;224;p15"/>
           <p:cNvSpPr txBox="1">
             <a:spLocks noGrp="1"/>
@@ -9431,98 +8805,6 @@
       </p:sp>
       <p:sp>
         <p:nvSpPr>
-          <p:cNvPr id="231" name="Google Shape;231;p16"/>
-          <p:cNvSpPr txBox="1">
-            <a:spLocks noGrp="1"/>
-          </p:cNvSpPr>
-          <p:nvPr>
-            <p:ph type="dt" idx="10"/>
-          </p:nvPr>
-        </p:nvSpPr>
-        <p:spPr>
-          <a:xfrm>
-            <a:off x="1024128" y="6470704"/>
-            <a:ext cx="2154142" cy="274320"/>
-          </a:xfrm>
-          <a:prstGeom prst="rect">
-            <a:avLst/>
-          </a:prstGeom>
-          <a:noFill/>
-          <a:ln>
-            <a:noFill/>
-          </a:ln>
-        </p:spPr>
-        <p:txBody>
-          <a:bodyPr spcFirstLastPara="1" wrap="square" lIns="91425" tIns="45700" rIns="91425" bIns="45700" anchor="ctr" anchorCtr="0">
-            <a:noAutofit/>
-          </a:bodyPr>
-          <a:lstStyle/>
-          <a:p>
-            <a:pPr marL="0" lvl="0" indent="0" algn="l" rtl="0">
-              <a:spcBef>
-                <a:spcPts val="0"/>
-              </a:spcBef>
-              <a:spcAft>
-                <a:spcPts val="0"/>
-              </a:spcAft>
-              <a:buNone/>
-            </a:pPr>
-            <a:r>
-              <a:rPr lang="en-US" smtClean="0"/>
-              <a:t>8/30/2021</a:t>
-            </a:r>
-            <a:endParaRPr/>
-          </a:p>
-        </p:txBody>
-      </p:sp>
-      <p:sp>
-        <p:nvSpPr>
-          <p:cNvPr id="232" name="Google Shape;232;p16"/>
-          <p:cNvSpPr txBox="1">
-            <a:spLocks noGrp="1"/>
-          </p:cNvSpPr>
-          <p:nvPr>
-            <p:ph type="ftr" idx="11"/>
-          </p:nvPr>
-        </p:nvSpPr>
-        <p:spPr>
-          <a:xfrm>
-            <a:off x="4842932" y="6470704"/>
-            <a:ext cx="5901458" cy="274320"/>
-          </a:xfrm>
-          <a:prstGeom prst="rect">
-            <a:avLst/>
-          </a:prstGeom>
-          <a:noFill/>
-          <a:ln>
-            <a:noFill/>
-          </a:ln>
-        </p:spPr>
-        <p:txBody>
-          <a:bodyPr spcFirstLastPara="1" wrap="square" lIns="91425" tIns="45700" rIns="91425" bIns="45700" anchor="ctr" anchorCtr="0">
-            <a:noAutofit/>
-          </a:bodyPr>
-          <a:lstStyle/>
-          <a:p>
-            <a:pPr marL="0" lvl="0" indent="0" algn="r" rtl="0">
-              <a:spcBef>
-                <a:spcPts val="0"/>
-              </a:spcBef>
-              <a:spcAft>
-                <a:spcPts val="0"/>
-              </a:spcAft>
-              <a:buNone/>
-            </a:pPr>
-            <a:r>
-              <a:rPr lang="en-US" smtClean="0"/>
-              <a:t>minhajul@cse.uiu.ac.bd</a:t>
-            </a:r>
-            <a:endParaRPr/>
-          </a:p>
-        </p:txBody>
-      </p:sp>
-      <p:sp>
-        <p:nvSpPr>
           <p:cNvPr id="233" name="Google Shape;233;p16"/>
           <p:cNvSpPr txBox="1">
             <a:spLocks noGrp="1"/>
@@ -9703,98 +8985,6 @@
       </p:sp>
       <p:sp>
         <p:nvSpPr>
-          <p:cNvPr id="240" name="Google Shape;240;p17"/>
-          <p:cNvSpPr txBox="1">
-            <a:spLocks noGrp="1"/>
-          </p:cNvSpPr>
-          <p:nvPr>
-            <p:ph type="dt" idx="10"/>
-          </p:nvPr>
-        </p:nvSpPr>
-        <p:spPr>
-          <a:xfrm>
-            <a:off x="1024128" y="6470704"/>
-            <a:ext cx="2154142" cy="274320"/>
-          </a:xfrm>
-          <a:prstGeom prst="rect">
-            <a:avLst/>
-          </a:prstGeom>
-          <a:noFill/>
-          <a:ln>
-            <a:noFill/>
-          </a:ln>
-        </p:spPr>
-        <p:txBody>
-          <a:bodyPr spcFirstLastPara="1" wrap="square" lIns="91425" tIns="45700" rIns="91425" bIns="45700" anchor="ctr" anchorCtr="0">
-            <a:noAutofit/>
-          </a:bodyPr>
-          <a:lstStyle/>
-          <a:p>
-            <a:pPr marL="0" lvl="0" indent="0" algn="l" rtl="0">
-              <a:spcBef>
-                <a:spcPts val="0"/>
-              </a:spcBef>
-              <a:spcAft>
-                <a:spcPts val="0"/>
-              </a:spcAft>
-              <a:buNone/>
-            </a:pPr>
-            <a:r>
-              <a:rPr lang="en-US" smtClean="0"/>
-              <a:t>8/30/2021</a:t>
-            </a:r>
-            <a:endParaRPr/>
-          </a:p>
-        </p:txBody>
-      </p:sp>
-      <p:sp>
-        <p:nvSpPr>
-          <p:cNvPr id="241" name="Google Shape;241;p17"/>
-          <p:cNvSpPr txBox="1">
-            <a:spLocks noGrp="1"/>
-          </p:cNvSpPr>
-          <p:nvPr>
-            <p:ph type="ftr" idx="11"/>
-          </p:nvPr>
-        </p:nvSpPr>
-        <p:spPr>
-          <a:xfrm>
-            <a:off x="4842932" y="6470704"/>
-            <a:ext cx="5901458" cy="274320"/>
-          </a:xfrm>
-          <a:prstGeom prst="rect">
-            <a:avLst/>
-          </a:prstGeom>
-          <a:noFill/>
-          <a:ln>
-            <a:noFill/>
-          </a:ln>
-        </p:spPr>
-        <p:txBody>
-          <a:bodyPr spcFirstLastPara="1" wrap="square" lIns="91425" tIns="45700" rIns="91425" bIns="45700" anchor="ctr" anchorCtr="0">
-            <a:noAutofit/>
-          </a:bodyPr>
-          <a:lstStyle/>
-          <a:p>
-            <a:pPr marL="0" lvl="0" indent="0" algn="r" rtl="0">
-              <a:spcBef>
-                <a:spcPts val="0"/>
-              </a:spcBef>
-              <a:spcAft>
-                <a:spcPts val="0"/>
-              </a:spcAft>
-              <a:buNone/>
-            </a:pPr>
-            <a:r>
-              <a:rPr lang="en-US" smtClean="0"/>
-              <a:t>minhajul@cse.uiu.ac.bd</a:t>
-            </a:r>
-            <a:endParaRPr/>
-          </a:p>
-        </p:txBody>
-      </p:sp>
-      <p:sp>
-        <p:nvSpPr>
           <p:cNvPr id="242" name="Google Shape;242;p17"/>
           <p:cNvSpPr txBox="1">
             <a:spLocks noGrp="1"/>
@@ -9975,98 +9165,6 @@
       </p:sp>
       <p:sp>
         <p:nvSpPr>
-          <p:cNvPr id="249" name="Google Shape;249;p18"/>
-          <p:cNvSpPr txBox="1">
-            <a:spLocks noGrp="1"/>
-          </p:cNvSpPr>
-          <p:nvPr>
-            <p:ph type="dt" idx="10"/>
-          </p:nvPr>
-        </p:nvSpPr>
-        <p:spPr>
-          <a:xfrm>
-            <a:off x="1024128" y="6470704"/>
-            <a:ext cx="2154142" cy="274320"/>
-          </a:xfrm>
-          <a:prstGeom prst="rect">
-            <a:avLst/>
-          </a:prstGeom>
-          <a:noFill/>
-          <a:ln>
-            <a:noFill/>
-          </a:ln>
-        </p:spPr>
-        <p:txBody>
-          <a:bodyPr spcFirstLastPara="1" wrap="square" lIns="91425" tIns="45700" rIns="91425" bIns="45700" anchor="ctr" anchorCtr="0">
-            <a:noAutofit/>
-          </a:bodyPr>
-          <a:lstStyle/>
-          <a:p>
-            <a:pPr marL="0" lvl="0" indent="0" algn="l" rtl="0">
-              <a:spcBef>
-                <a:spcPts val="0"/>
-              </a:spcBef>
-              <a:spcAft>
-                <a:spcPts val="0"/>
-              </a:spcAft>
-              <a:buNone/>
-            </a:pPr>
-            <a:r>
-              <a:rPr lang="en-US" smtClean="0"/>
-              <a:t>8/30/2021</a:t>
-            </a:r>
-            <a:endParaRPr/>
-          </a:p>
-        </p:txBody>
-      </p:sp>
-      <p:sp>
-        <p:nvSpPr>
-          <p:cNvPr id="250" name="Google Shape;250;p18"/>
-          <p:cNvSpPr txBox="1">
-            <a:spLocks noGrp="1"/>
-          </p:cNvSpPr>
-          <p:nvPr>
-            <p:ph type="ftr" idx="11"/>
-          </p:nvPr>
-        </p:nvSpPr>
-        <p:spPr>
-          <a:xfrm>
-            <a:off x="4842932" y="6470704"/>
-            <a:ext cx="5901458" cy="274320"/>
-          </a:xfrm>
-          <a:prstGeom prst="rect">
-            <a:avLst/>
-          </a:prstGeom>
-          <a:noFill/>
-          <a:ln>
-            <a:noFill/>
-          </a:ln>
-        </p:spPr>
-        <p:txBody>
-          <a:bodyPr spcFirstLastPara="1" wrap="square" lIns="91425" tIns="45700" rIns="91425" bIns="45700" anchor="ctr" anchorCtr="0">
-            <a:noAutofit/>
-          </a:bodyPr>
-          <a:lstStyle/>
-          <a:p>
-            <a:pPr marL="0" lvl="0" indent="0" algn="r" rtl="0">
-              <a:spcBef>
-                <a:spcPts val="0"/>
-              </a:spcBef>
-              <a:spcAft>
-                <a:spcPts val="0"/>
-              </a:spcAft>
-              <a:buNone/>
-            </a:pPr>
-            <a:r>
-              <a:rPr lang="en-US" smtClean="0"/>
-              <a:t>minhajul@cse.uiu.ac.bd</a:t>
-            </a:r>
-            <a:endParaRPr/>
-          </a:p>
-        </p:txBody>
-      </p:sp>
-      <p:sp>
-        <p:nvSpPr>
           <p:cNvPr id="251" name="Google Shape;251;p18"/>
           <p:cNvSpPr txBox="1">
             <a:spLocks noGrp="1"/>
@@ -10247,98 +9345,6 @@
       </p:sp>
       <p:sp>
         <p:nvSpPr>
-          <p:cNvPr id="258" name="Google Shape;258;p19"/>
-          <p:cNvSpPr txBox="1">
-            <a:spLocks noGrp="1"/>
-          </p:cNvSpPr>
-          <p:nvPr>
-            <p:ph type="dt" idx="10"/>
-          </p:nvPr>
-        </p:nvSpPr>
-        <p:spPr>
-          <a:xfrm>
-            <a:off x="1024128" y="6470704"/>
-            <a:ext cx="2154142" cy="274320"/>
-          </a:xfrm>
-          <a:prstGeom prst="rect">
-            <a:avLst/>
-          </a:prstGeom>
-          <a:noFill/>
-          <a:ln>
-            <a:noFill/>
-          </a:ln>
-        </p:spPr>
-        <p:txBody>
-          <a:bodyPr spcFirstLastPara="1" wrap="square" lIns="91425" tIns="45700" rIns="91425" bIns="45700" anchor="ctr" anchorCtr="0">
-            <a:noAutofit/>
-          </a:bodyPr>
-          <a:lstStyle/>
-          <a:p>
-            <a:pPr marL="0" lvl="0" indent="0" algn="l" rtl="0">
-              <a:spcBef>
-                <a:spcPts val="0"/>
-              </a:spcBef>
-              <a:spcAft>
-                <a:spcPts val="0"/>
-              </a:spcAft>
-              <a:buNone/>
-            </a:pPr>
-            <a:r>
-              <a:rPr lang="en-US" smtClean="0"/>
-              <a:t>8/30/2021</a:t>
-            </a:r>
-            <a:endParaRPr/>
-          </a:p>
-        </p:txBody>
-      </p:sp>
-      <p:sp>
-        <p:nvSpPr>
-          <p:cNvPr id="259" name="Google Shape;259;p19"/>
-          <p:cNvSpPr txBox="1">
-            <a:spLocks noGrp="1"/>
-          </p:cNvSpPr>
-          <p:nvPr>
-            <p:ph type="ftr" idx="11"/>
-          </p:nvPr>
-        </p:nvSpPr>
-        <p:spPr>
-          <a:xfrm>
-            <a:off x="4842932" y="6470704"/>
-            <a:ext cx="5901458" cy="274320"/>
-          </a:xfrm>
-          <a:prstGeom prst="rect">
-            <a:avLst/>
-          </a:prstGeom>
-          <a:noFill/>
-          <a:ln>
-            <a:noFill/>
-          </a:ln>
-        </p:spPr>
-        <p:txBody>
-          <a:bodyPr spcFirstLastPara="1" wrap="square" lIns="91425" tIns="45700" rIns="91425" bIns="45700" anchor="ctr" anchorCtr="0">
-            <a:noAutofit/>
-          </a:bodyPr>
-          <a:lstStyle/>
-          <a:p>
-            <a:pPr marL="0" lvl="0" indent="0" algn="r" rtl="0">
-              <a:spcBef>
-                <a:spcPts val="0"/>
-              </a:spcBef>
-              <a:spcAft>
-                <a:spcPts val="0"/>
-              </a:spcAft>
-              <a:buNone/>
-            </a:pPr>
-            <a:r>
-              <a:rPr lang="en-US" smtClean="0"/>
-              <a:t>minhajul@cse.uiu.ac.bd</a:t>
-            </a:r>
-            <a:endParaRPr/>
-          </a:p>
-        </p:txBody>
-      </p:sp>
-      <p:sp>
-        <p:nvSpPr>
           <p:cNvPr id="260" name="Google Shape;260;p19"/>
           <p:cNvSpPr txBox="1">
             <a:spLocks noGrp="1"/>
@@ -10619,98 +9625,6 @@
       </p:sp>
       <p:sp>
         <p:nvSpPr>
-          <p:cNvPr id="104" name="Google Shape;104;p2"/>
-          <p:cNvSpPr txBox="1">
-            <a:spLocks noGrp="1"/>
-          </p:cNvSpPr>
-          <p:nvPr>
-            <p:ph type="dt" idx="10"/>
-          </p:nvPr>
-        </p:nvSpPr>
-        <p:spPr>
-          <a:xfrm>
-            <a:off x="1024128" y="6470704"/>
-            <a:ext cx="2154142" cy="274320"/>
-          </a:xfrm>
-          <a:prstGeom prst="rect">
-            <a:avLst/>
-          </a:prstGeom>
-          <a:noFill/>
-          <a:ln>
-            <a:noFill/>
-          </a:ln>
-        </p:spPr>
-        <p:txBody>
-          <a:bodyPr spcFirstLastPara="1" wrap="square" lIns="91425" tIns="45700" rIns="91425" bIns="45700" anchor="ctr" anchorCtr="0">
-            <a:noAutofit/>
-          </a:bodyPr>
-          <a:lstStyle/>
-          <a:p>
-            <a:pPr marL="0" lvl="0" indent="0" algn="l" rtl="0">
-              <a:spcBef>
-                <a:spcPts val="0"/>
-              </a:spcBef>
-              <a:spcAft>
-                <a:spcPts val="0"/>
-              </a:spcAft>
-              <a:buNone/>
-            </a:pPr>
-            <a:r>
-              <a:rPr lang="en-US" smtClean="0"/>
-              <a:t>8/30/2021</a:t>
-            </a:r>
-            <a:endParaRPr/>
-          </a:p>
-        </p:txBody>
-      </p:sp>
-      <p:sp>
-        <p:nvSpPr>
-          <p:cNvPr id="105" name="Google Shape;105;p2"/>
-          <p:cNvSpPr txBox="1">
-            <a:spLocks noGrp="1"/>
-          </p:cNvSpPr>
-          <p:nvPr>
-            <p:ph type="ftr" idx="11"/>
-          </p:nvPr>
-        </p:nvSpPr>
-        <p:spPr>
-          <a:xfrm>
-            <a:off x="4842932" y="6470704"/>
-            <a:ext cx="5901458" cy="274320"/>
-          </a:xfrm>
-          <a:prstGeom prst="rect">
-            <a:avLst/>
-          </a:prstGeom>
-          <a:noFill/>
-          <a:ln>
-            <a:noFill/>
-          </a:ln>
-        </p:spPr>
-        <p:txBody>
-          <a:bodyPr spcFirstLastPara="1" wrap="square" lIns="91425" tIns="45700" rIns="91425" bIns="45700" anchor="ctr" anchorCtr="0">
-            <a:noAutofit/>
-          </a:bodyPr>
-          <a:lstStyle/>
-          <a:p>
-            <a:pPr marL="0" lvl="0" indent="0" algn="r" rtl="0">
-              <a:spcBef>
-                <a:spcPts val="0"/>
-              </a:spcBef>
-              <a:spcAft>
-                <a:spcPts val="0"/>
-              </a:spcAft>
-              <a:buNone/>
-            </a:pPr>
-            <a:r>
-              <a:rPr lang="en-US" smtClean="0"/>
-              <a:t>minhajul@cse.uiu.ac.bd</a:t>
-            </a:r>
-            <a:endParaRPr/>
-          </a:p>
-        </p:txBody>
-      </p:sp>
-      <p:sp>
-        <p:nvSpPr>
           <p:cNvPr id="106" name="Google Shape;106;p2"/>
           <p:cNvSpPr txBox="1">
             <a:spLocks noGrp="1"/>
@@ -10891,98 +9805,6 @@
       </p:sp>
       <p:sp>
         <p:nvSpPr>
-          <p:cNvPr id="267" name="Google Shape;267;p20"/>
-          <p:cNvSpPr txBox="1">
-            <a:spLocks noGrp="1"/>
-          </p:cNvSpPr>
-          <p:nvPr>
-            <p:ph type="dt" idx="10"/>
-          </p:nvPr>
-        </p:nvSpPr>
-        <p:spPr>
-          <a:xfrm>
-            <a:off x="1024128" y="6470704"/>
-            <a:ext cx="2154142" cy="274320"/>
-          </a:xfrm>
-          <a:prstGeom prst="rect">
-            <a:avLst/>
-          </a:prstGeom>
-          <a:noFill/>
-          <a:ln>
-            <a:noFill/>
-          </a:ln>
-        </p:spPr>
-        <p:txBody>
-          <a:bodyPr spcFirstLastPara="1" wrap="square" lIns="91425" tIns="45700" rIns="91425" bIns="45700" anchor="ctr" anchorCtr="0">
-            <a:noAutofit/>
-          </a:bodyPr>
-          <a:lstStyle/>
-          <a:p>
-            <a:pPr marL="0" lvl="0" indent="0" algn="l" rtl="0">
-              <a:spcBef>
-                <a:spcPts val="0"/>
-              </a:spcBef>
-              <a:spcAft>
-                <a:spcPts val="0"/>
-              </a:spcAft>
-              <a:buNone/>
-            </a:pPr>
-            <a:r>
-              <a:rPr lang="en-US" smtClean="0"/>
-              <a:t>8/30/2021</a:t>
-            </a:r>
-            <a:endParaRPr/>
-          </a:p>
-        </p:txBody>
-      </p:sp>
-      <p:sp>
-        <p:nvSpPr>
-          <p:cNvPr id="268" name="Google Shape;268;p20"/>
-          <p:cNvSpPr txBox="1">
-            <a:spLocks noGrp="1"/>
-          </p:cNvSpPr>
-          <p:nvPr>
-            <p:ph type="ftr" idx="11"/>
-          </p:nvPr>
-        </p:nvSpPr>
-        <p:spPr>
-          <a:xfrm>
-            <a:off x="4842932" y="6470704"/>
-            <a:ext cx="5901458" cy="274320"/>
-          </a:xfrm>
-          <a:prstGeom prst="rect">
-            <a:avLst/>
-          </a:prstGeom>
-          <a:noFill/>
-          <a:ln>
-            <a:noFill/>
-          </a:ln>
-        </p:spPr>
-        <p:txBody>
-          <a:bodyPr spcFirstLastPara="1" wrap="square" lIns="91425" tIns="45700" rIns="91425" bIns="45700" anchor="ctr" anchorCtr="0">
-            <a:noAutofit/>
-          </a:bodyPr>
-          <a:lstStyle/>
-          <a:p>
-            <a:pPr marL="0" lvl="0" indent="0" algn="r" rtl="0">
-              <a:spcBef>
-                <a:spcPts val="0"/>
-              </a:spcBef>
-              <a:spcAft>
-                <a:spcPts val="0"/>
-              </a:spcAft>
-              <a:buNone/>
-            </a:pPr>
-            <a:r>
-              <a:rPr lang="en-US" smtClean="0"/>
-              <a:t>minhajul@cse.uiu.ac.bd</a:t>
-            </a:r>
-            <a:endParaRPr/>
-          </a:p>
-        </p:txBody>
-      </p:sp>
-      <p:sp>
-        <p:nvSpPr>
           <p:cNvPr id="269" name="Google Shape;269;p20"/>
           <p:cNvSpPr txBox="1">
             <a:spLocks noGrp="1"/>
@@ -11163,98 +9985,6 @@
       </p:sp>
       <p:sp>
         <p:nvSpPr>
-          <p:cNvPr id="276" name="Google Shape;276;p21"/>
-          <p:cNvSpPr txBox="1">
-            <a:spLocks noGrp="1"/>
-          </p:cNvSpPr>
-          <p:nvPr>
-            <p:ph type="dt" idx="10"/>
-          </p:nvPr>
-        </p:nvSpPr>
-        <p:spPr>
-          <a:xfrm>
-            <a:off x="1024128" y="6470704"/>
-            <a:ext cx="2154142" cy="274320"/>
-          </a:xfrm>
-          <a:prstGeom prst="rect">
-            <a:avLst/>
-          </a:prstGeom>
-          <a:noFill/>
-          <a:ln>
-            <a:noFill/>
-          </a:ln>
-        </p:spPr>
-        <p:txBody>
-          <a:bodyPr spcFirstLastPara="1" wrap="square" lIns="91425" tIns="45700" rIns="91425" bIns="45700" anchor="ctr" anchorCtr="0">
-            <a:noAutofit/>
-          </a:bodyPr>
-          <a:lstStyle/>
-          <a:p>
-            <a:pPr marL="0" lvl="0" indent="0" algn="l" rtl="0">
-              <a:spcBef>
-                <a:spcPts val="0"/>
-              </a:spcBef>
-              <a:spcAft>
-                <a:spcPts val="0"/>
-              </a:spcAft>
-              <a:buNone/>
-            </a:pPr>
-            <a:r>
-              <a:rPr lang="en-US" smtClean="0"/>
-              <a:t>8/30/2021</a:t>
-            </a:r>
-            <a:endParaRPr/>
-          </a:p>
-        </p:txBody>
-      </p:sp>
-      <p:sp>
-        <p:nvSpPr>
-          <p:cNvPr id="277" name="Google Shape;277;p21"/>
-          <p:cNvSpPr txBox="1">
-            <a:spLocks noGrp="1"/>
-          </p:cNvSpPr>
-          <p:nvPr>
-            <p:ph type="ftr" idx="11"/>
-          </p:nvPr>
-        </p:nvSpPr>
-        <p:spPr>
-          <a:xfrm>
-            <a:off x="4842932" y="6470704"/>
-            <a:ext cx="5901458" cy="274320"/>
-          </a:xfrm>
-          <a:prstGeom prst="rect">
-            <a:avLst/>
-          </a:prstGeom>
-          <a:noFill/>
-          <a:ln>
-            <a:noFill/>
-          </a:ln>
-        </p:spPr>
-        <p:txBody>
-          <a:bodyPr spcFirstLastPara="1" wrap="square" lIns="91425" tIns="45700" rIns="91425" bIns="45700" anchor="ctr" anchorCtr="0">
-            <a:noAutofit/>
-          </a:bodyPr>
-          <a:lstStyle/>
-          <a:p>
-            <a:pPr marL="0" lvl="0" indent="0" algn="r" rtl="0">
-              <a:spcBef>
-                <a:spcPts val="0"/>
-              </a:spcBef>
-              <a:spcAft>
-                <a:spcPts val="0"/>
-              </a:spcAft>
-              <a:buNone/>
-            </a:pPr>
-            <a:r>
-              <a:rPr lang="en-US" smtClean="0"/>
-              <a:t>minhajul@cse.uiu.ac.bd</a:t>
-            </a:r>
-            <a:endParaRPr/>
-          </a:p>
-        </p:txBody>
-      </p:sp>
-      <p:sp>
-        <p:nvSpPr>
           <p:cNvPr id="278" name="Google Shape;278;p21"/>
           <p:cNvSpPr txBox="1">
             <a:spLocks noGrp="1"/>
@@ -11435,98 +10165,6 @@
       </p:sp>
       <p:sp>
         <p:nvSpPr>
-          <p:cNvPr id="285" name="Google Shape;285;p22"/>
-          <p:cNvSpPr txBox="1">
-            <a:spLocks noGrp="1"/>
-          </p:cNvSpPr>
-          <p:nvPr>
-            <p:ph type="dt" idx="10"/>
-          </p:nvPr>
-        </p:nvSpPr>
-        <p:spPr>
-          <a:xfrm>
-            <a:off x="1024128" y="6470704"/>
-            <a:ext cx="2154142" cy="274320"/>
-          </a:xfrm>
-          <a:prstGeom prst="rect">
-            <a:avLst/>
-          </a:prstGeom>
-          <a:noFill/>
-          <a:ln>
-            <a:noFill/>
-          </a:ln>
-        </p:spPr>
-        <p:txBody>
-          <a:bodyPr spcFirstLastPara="1" wrap="square" lIns="91425" tIns="45700" rIns="91425" bIns="45700" anchor="ctr" anchorCtr="0">
-            <a:noAutofit/>
-          </a:bodyPr>
-          <a:lstStyle/>
-          <a:p>
-            <a:pPr marL="0" lvl="0" indent="0" algn="l" rtl="0">
-              <a:spcBef>
-                <a:spcPts val="0"/>
-              </a:spcBef>
-              <a:spcAft>
-                <a:spcPts val="0"/>
-              </a:spcAft>
-              <a:buNone/>
-            </a:pPr>
-            <a:r>
-              <a:rPr lang="en-US" smtClean="0"/>
-              <a:t>8/30/2021</a:t>
-            </a:r>
-            <a:endParaRPr/>
-          </a:p>
-        </p:txBody>
-      </p:sp>
-      <p:sp>
-        <p:nvSpPr>
-          <p:cNvPr id="286" name="Google Shape;286;p22"/>
-          <p:cNvSpPr txBox="1">
-            <a:spLocks noGrp="1"/>
-          </p:cNvSpPr>
-          <p:nvPr>
-            <p:ph type="ftr" idx="11"/>
-          </p:nvPr>
-        </p:nvSpPr>
-        <p:spPr>
-          <a:xfrm>
-            <a:off x="4842932" y="6470704"/>
-            <a:ext cx="5901458" cy="274320"/>
-          </a:xfrm>
-          <a:prstGeom prst="rect">
-            <a:avLst/>
-          </a:prstGeom>
-          <a:noFill/>
-          <a:ln>
-            <a:noFill/>
-          </a:ln>
-        </p:spPr>
-        <p:txBody>
-          <a:bodyPr spcFirstLastPara="1" wrap="square" lIns="91425" tIns="45700" rIns="91425" bIns="45700" anchor="ctr" anchorCtr="0">
-            <a:noAutofit/>
-          </a:bodyPr>
-          <a:lstStyle/>
-          <a:p>
-            <a:pPr marL="0" lvl="0" indent="0" algn="r" rtl="0">
-              <a:spcBef>
-                <a:spcPts val="0"/>
-              </a:spcBef>
-              <a:spcAft>
-                <a:spcPts val="0"/>
-              </a:spcAft>
-              <a:buNone/>
-            </a:pPr>
-            <a:r>
-              <a:rPr lang="en-US" smtClean="0"/>
-              <a:t>minhajul@cse.uiu.ac.bd</a:t>
-            </a:r>
-            <a:endParaRPr/>
-          </a:p>
-        </p:txBody>
-      </p:sp>
-      <p:sp>
-        <p:nvSpPr>
           <p:cNvPr id="287" name="Google Shape;287;p22"/>
           <p:cNvSpPr txBox="1">
             <a:spLocks noGrp="1"/>
@@ -11707,98 +10345,6 @@
       </p:sp>
       <p:sp>
         <p:nvSpPr>
-          <p:cNvPr id="294" name="Google Shape;294;p23"/>
-          <p:cNvSpPr txBox="1">
-            <a:spLocks noGrp="1"/>
-          </p:cNvSpPr>
-          <p:nvPr>
-            <p:ph type="dt" idx="10"/>
-          </p:nvPr>
-        </p:nvSpPr>
-        <p:spPr>
-          <a:xfrm>
-            <a:off x="1024128" y="6470704"/>
-            <a:ext cx="2154142" cy="274320"/>
-          </a:xfrm>
-          <a:prstGeom prst="rect">
-            <a:avLst/>
-          </a:prstGeom>
-          <a:noFill/>
-          <a:ln>
-            <a:noFill/>
-          </a:ln>
-        </p:spPr>
-        <p:txBody>
-          <a:bodyPr spcFirstLastPara="1" wrap="square" lIns="91425" tIns="45700" rIns="91425" bIns="45700" anchor="ctr" anchorCtr="0">
-            <a:noAutofit/>
-          </a:bodyPr>
-          <a:lstStyle/>
-          <a:p>
-            <a:pPr marL="0" lvl="0" indent="0" algn="l" rtl="0">
-              <a:spcBef>
-                <a:spcPts val="0"/>
-              </a:spcBef>
-              <a:spcAft>
-                <a:spcPts val="0"/>
-              </a:spcAft>
-              <a:buNone/>
-            </a:pPr>
-            <a:r>
-              <a:rPr lang="en-US" smtClean="0"/>
-              <a:t>8/30/2021</a:t>
-            </a:r>
-            <a:endParaRPr/>
-          </a:p>
-        </p:txBody>
-      </p:sp>
-      <p:sp>
-        <p:nvSpPr>
-          <p:cNvPr id="295" name="Google Shape;295;p23"/>
-          <p:cNvSpPr txBox="1">
-            <a:spLocks noGrp="1"/>
-          </p:cNvSpPr>
-          <p:nvPr>
-            <p:ph type="ftr" idx="11"/>
-          </p:nvPr>
-        </p:nvSpPr>
-        <p:spPr>
-          <a:xfrm>
-            <a:off x="4842932" y="6470704"/>
-            <a:ext cx="5901458" cy="274320"/>
-          </a:xfrm>
-          <a:prstGeom prst="rect">
-            <a:avLst/>
-          </a:prstGeom>
-          <a:noFill/>
-          <a:ln>
-            <a:noFill/>
-          </a:ln>
-        </p:spPr>
-        <p:txBody>
-          <a:bodyPr spcFirstLastPara="1" wrap="square" lIns="91425" tIns="45700" rIns="91425" bIns="45700" anchor="ctr" anchorCtr="0">
-            <a:noAutofit/>
-          </a:bodyPr>
-          <a:lstStyle/>
-          <a:p>
-            <a:pPr marL="0" lvl="0" indent="0" algn="r" rtl="0">
-              <a:spcBef>
-                <a:spcPts val="0"/>
-              </a:spcBef>
-              <a:spcAft>
-                <a:spcPts val="0"/>
-              </a:spcAft>
-              <a:buNone/>
-            </a:pPr>
-            <a:r>
-              <a:rPr lang="en-US" smtClean="0"/>
-              <a:t>minhajul@cse.uiu.ac.bd</a:t>
-            </a:r>
-            <a:endParaRPr/>
-          </a:p>
-        </p:txBody>
-      </p:sp>
-      <p:sp>
-        <p:nvSpPr>
           <p:cNvPr id="296" name="Google Shape;296;p23"/>
           <p:cNvSpPr txBox="1">
             <a:spLocks noGrp="1"/>
@@ -11979,98 +10525,6 @@
       </p:sp>
       <p:sp>
         <p:nvSpPr>
-          <p:cNvPr id="303" name="Google Shape;303;p24"/>
-          <p:cNvSpPr txBox="1">
-            <a:spLocks noGrp="1"/>
-          </p:cNvSpPr>
-          <p:nvPr>
-            <p:ph type="dt" idx="10"/>
-          </p:nvPr>
-        </p:nvSpPr>
-        <p:spPr>
-          <a:xfrm>
-            <a:off x="1024128" y="6470704"/>
-            <a:ext cx="2154142" cy="274320"/>
-          </a:xfrm>
-          <a:prstGeom prst="rect">
-            <a:avLst/>
-          </a:prstGeom>
-          <a:noFill/>
-          <a:ln>
-            <a:noFill/>
-          </a:ln>
-        </p:spPr>
-        <p:txBody>
-          <a:bodyPr spcFirstLastPara="1" wrap="square" lIns="91425" tIns="45700" rIns="91425" bIns="45700" anchor="ctr" anchorCtr="0">
-            <a:noAutofit/>
-          </a:bodyPr>
-          <a:lstStyle/>
-          <a:p>
-            <a:pPr marL="0" lvl="0" indent="0" algn="l" rtl="0">
-              <a:spcBef>
-                <a:spcPts val="0"/>
-              </a:spcBef>
-              <a:spcAft>
-                <a:spcPts val="0"/>
-              </a:spcAft>
-              <a:buNone/>
-            </a:pPr>
-            <a:r>
-              <a:rPr lang="en-US" smtClean="0"/>
-              <a:t>8/30/2021</a:t>
-            </a:r>
-            <a:endParaRPr/>
-          </a:p>
-        </p:txBody>
-      </p:sp>
-      <p:sp>
-        <p:nvSpPr>
-          <p:cNvPr id="304" name="Google Shape;304;p24"/>
-          <p:cNvSpPr txBox="1">
-            <a:spLocks noGrp="1"/>
-          </p:cNvSpPr>
-          <p:nvPr>
-            <p:ph type="ftr" idx="11"/>
-          </p:nvPr>
-        </p:nvSpPr>
-        <p:spPr>
-          <a:xfrm>
-            <a:off x="4842932" y="6470704"/>
-            <a:ext cx="5901458" cy="274320"/>
-          </a:xfrm>
-          <a:prstGeom prst="rect">
-            <a:avLst/>
-          </a:prstGeom>
-          <a:noFill/>
-          <a:ln>
-            <a:noFill/>
-          </a:ln>
-        </p:spPr>
-        <p:txBody>
-          <a:bodyPr spcFirstLastPara="1" wrap="square" lIns="91425" tIns="45700" rIns="91425" bIns="45700" anchor="ctr" anchorCtr="0">
-            <a:noAutofit/>
-          </a:bodyPr>
-          <a:lstStyle/>
-          <a:p>
-            <a:pPr marL="0" lvl="0" indent="0" algn="r" rtl="0">
-              <a:spcBef>
-                <a:spcPts val="0"/>
-              </a:spcBef>
-              <a:spcAft>
-                <a:spcPts val="0"/>
-              </a:spcAft>
-              <a:buNone/>
-            </a:pPr>
-            <a:r>
-              <a:rPr lang="en-US" smtClean="0"/>
-              <a:t>minhajul@cse.uiu.ac.bd</a:t>
-            </a:r>
-            <a:endParaRPr/>
-          </a:p>
-        </p:txBody>
-      </p:sp>
-      <p:sp>
-        <p:nvSpPr>
           <p:cNvPr id="305" name="Google Shape;305;p24"/>
           <p:cNvSpPr txBox="1">
             <a:spLocks noGrp="1"/>
@@ -12147,54 +10601,6 @@
       </p:grpSpPr>
       <p:sp>
         <p:nvSpPr>
-          <p:cNvPr id="111" name="Google Shape;111;p3"/>
-          <p:cNvSpPr txBox="1">
-            <a:spLocks noGrp="1"/>
-          </p:cNvSpPr>
-          <p:nvPr>
-            <p:ph type="dt" idx="10"/>
-          </p:nvPr>
-        </p:nvSpPr>
-        <p:spPr/>
-        <p:txBody>
-          <a:bodyPr/>
-          <a:lstStyle/>
-          <a:p>
-            <a:pPr lvl="0"/>
-            <a:r>
-              <a:rPr lang="en-US" smtClean="0"/>
-              <a:t>8/30/2021</a:t>
-            </a:r>
-            <a:endParaRPr lang="en-US"/>
-          </a:p>
-        </p:txBody>
-      </p:sp>
-      <p:sp>
-        <p:nvSpPr>
-          <p:cNvPr id="112" name="Google Shape;112;p3"/>
-          <p:cNvSpPr txBox="1">
-            <a:spLocks noGrp="1"/>
-          </p:cNvSpPr>
-          <p:nvPr>
-            <p:ph type="ftr" idx="11"/>
-          </p:nvPr>
-        </p:nvSpPr>
-        <p:spPr/>
-        <p:txBody>
-          <a:bodyPr/>
-          <a:lstStyle/>
-          <a:p>
-            <a:pPr lvl="0"/>
-            <a:r>
-              <a:rPr lang="en-US" smtClean="0"/>
-              <a:t>minhajul@cse.uiu.ac.bd</a:t>
-            </a:r>
-            <a:endParaRPr lang="en-US"/>
-          </a:p>
-        </p:txBody>
-      </p:sp>
-      <p:sp>
-        <p:nvSpPr>
           <p:cNvPr id="113" name="Google Shape;113;p3"/>
           <p:cNvSpPr txBox="1">
             <a:spLocks noGrp="1"/>
@@ -12380,98 +10786,6 @@
           <a:chExt cx="0" cy="0"/>
         </a:xfrm>
       </p:grpSpPr>
-      <p:sp>
-        <p:nvSpPr>
-          <p:cNvPr id="120" name="Google Shape;120;p4"/>
-          <p:cNvSpPr txBox="1">
-            <a:spLocks noGrp="1"/>
-          </p:cNvSpPr>
-          <p:nvPr>
-            <p:ph type="dt" idx="10"/>
-          </p:nvPr>
-        </p:nvSpPr>
-        <p:spPr>
-          <a:xfrm>
-            <a:off x="1024128" y="6470704"/>
-            <a:ext cx="2154142" cy="274320"/>
-          </a:xfrm>
-          <a:prstGeom prst="rect">
-            <a:avLst/>
-          </a:prstGeom>
-          <a:noFill/>
-          <a:ln>
-            <a:noFill/>
-          </a:ln>
-        </p:spPr>
-        <p:txBody>
-          <a:bodyPr spcFirstLastPara="1" wrap="square" lIns="91425" tIns="45700" rIns="91425" bIns="45700" anchor="ctr" anchorCtr="0">
-            <a:noAutofit/>
-          </a:bodyPr>
-          <a:lstStyle/>
-          <a:p>
-            <a:pPr marL="0" lvl="0" indent="0" algn="l" rtl="0">
-              <a:spcBef>
-                <a:spcPts val="0"/>
-              </a:spcBef>
-              <a:spcAft>
-                <a:spcPts val="0"/>
-              </a:spcAft>
-              <a:buNone/>
-            </a:pPr>
-            <a:r>
-              <a:rPr lang="en-US" smtClean="0"/>
-              <a:t>8/30/2021</a:t>
-            </a:r>
-            <a:endParaRPr/>
-          </a:p>
-        </p:txBody>
-      </p:sp>
-      <p:sp>
-        <p:nvSpPr>
-          <p:cNvPr id="121" name="Google Shape;121;p4"/>
-          <p:cNvSpPr txBox="1">
-            <a:spLocks noGrp="1"/>
-          </p:cNvSpPr>
-          <p:nvPr>
-            <p:ph type="ftr" idx="11"/>
-          </p:nvPr>
-        </p:nvSpPr>
-        <p:spPr>
-          <a:xfrm>
-            <a:off x="4842932" y="6470704"/>
-            <a:ext cx="5901458" cy="274320"/>
-          </a:xfrm>
-          <a:prstGeom prst="rect">
-            <a:avLst/>
-          </a:prstGeom>
-          <a:noFill/>
-          <a:ln>
-            <a:noFill/>
-          </a:ln>
-        </p:spPr>
-        <p:txBody>
-          <a:bodyPr spcFirstLastPara="1" wrap="square" lIns="91425" tIns="45700" rIns="91425" bIns="45700" anchor="ctr" anchorCtr="0">
-            <a:noAutofit/>
-          </a:bodyPr>
-          <a:lstStyle/>
-          <a:p>
-            <a:pPr marL="0" lvl="0" indent="0" algn="r" rtl="0">
-              <a:spcBef>
-                <a:spcPts val="0"/>
-              </a:spcBef>
-              <a:spcAft>
-                <a:spcPts val="0"/>
-              </a:spcAft>
-              <a:buNone/>
-            </a:pPr>
-            <a:r>
-              <a:rPr lang="en-US" smtClean="0"/>
-              <a:t>minhajul@cse.uiu.ac.bd</a:t>
-            </a:r>
-            <a:endParaRPr/>
-          </a:p>
-        </p:txBody>
-      </p:sp>
       <p:sp>
         <p:nvSpPr>
           <p:cNvPr id="122" name="Google Shape;122;p4"/>
@@ -12830,98 +11144,6 @@
       </p:sp>
       <p:sp>
         <p:nvSpPr>
-          <p:cNvPr id="131" name="Google Shape;131;p5"/>
-          <p:cNvSpPr txBox="1">
-            <a:spLocks noGrp="1"/>
-          </p:cNvSpPr>
-          <p:nvPr>
-            <p:ph type="dt" idx="10"/>
-          </p:nvPr>
-        </p:nvSpPr>
-        <p:spPr>
-          <a:xfrm>
-            <a:off x="1024128" y="6470704"/>
-            <a:ext cx="2154142" cy="274320"/>
-          </a:xfrm>
-          <a:prstGeom prst="rect">
-            <a:avLst/>
-          </a:prstGeom>
-          <a:noFill/>
-          <a:ln>
-            <a:noFill/>
-          </a:ln>
-        </p:spPr>
-        <p:txBody>
-          <a:bodyPr spcFirstLastPara="1" wrap="square" lIns="91425" tIns="45700" rIns="91425" bIns="45700" anchor="ctr" anchorCtr="0">
-            <a:noAutofit/>
-          </a:bodyPr>
-          <a:lstStyle/>
-          <a:p>
-            <a:pPr marL="0" lvl="0" indent="0" algn="l" rtl="0">
-              <a:spcBef>
-                <a:spcPts val="0"/>
-              </a:spcBef>
-              <a:spcAft>
-                <a:spcPts val="0"/>
-              </a:spcAft>
-              <a:buNone/>
-            </a:pPr>
-            <a:r>
-              <a:rPr lang="en-US" smtClean="0"/>
-              <a:t>8/30/2021</a:t>
-            </a:r>
-            <a:endParaRPr/>
-          </a:p>
-        </p:txBody>
-      </p:sp>
-      <p:sp>
-        <p:nvSpPr>
-          <p:cNvPr id="132" name="Google Shape;132;p5"/>
-          <p:cNvSpPr txBox="1">
-            <a:spLocks noGrp="1"/>
-          </p:cNvSpPr>
-          <p:nvPr>
-            <p:ph type="ftr" idx="11"/>
-          </p:nvPr>
-        </p:nvSpPr>
-        <p:spPr>
-          <a:xfrm>
-            <a:off x="4842932" y="6470704"/>
-            <a:ext cx="5901458" cy="274320"/>
-          </a:xfrm>
-          <a:prstGeom prst="rect">
-            <a:avLst/>
-          </a:prstGeom>
-          <a:noFill/>
-          <a:ln>
-            <a:noFill/>
-          </a:ln>
-        </p:spPr>
-        <p:txBody>
-          <a:bodyPr spcFirstLastPara="1" wrap="square" lIns="91425" tIns="45700" rIns="91425" bIns="45700" anchor="ctr" anchorCtr="0">
-            <a:noAutofit/>
-          </a:bodyPr>
-          <a:lstStyle/>
-          <a:p>
-            <a:pPr marL="0" lvl="0" indent="0" algn="r" rtl="0">
-              <a:spcBef>
-                <a:spcPts val="0"/>
-              </a:spcBef>
-              <a:spcAft>
-                <a:spcPts val="0"/>
-              </a:spcAft>
-              <a:buNone/>
-            </a:pPr>
-            <a:r>
-              <a:rPr lang="en-US" smtClean="0"/>
-              <a:t>minhajul@cse.uiu.ac.bd</a:t>
-            </a:r>
-            <a:endParaRPr/>
-          </a:p>
-        </p:txBody>
-      </p:sp>
-      <p:sp>
-        <p:nvSpPr>
           <p:cNvPr id="133" name="Google Shape;133;p5"/>
           <p:cNvSpPr txBox="1">
             <a:spLocks noGrp="1"/>
@@ -13250,98 +11472,6 @@
       </p:sp>
       <p:sp>
         <p:nvSpPr>
-          <p:cNvPr id="140" name="Google Shape;140;p6"/>
-          <p:cNvSpPr txBox="1">
-            <a:spLocks noGrp="1"/>
-          </p:cNvSpPr>
-          <p:nvPr>
-            <p:ph type="dt" idx="10"/>
-          </p:nvPr>
-        </p:nvSpPr>
-        <p:spPr>
-          <a:xfrm>
-            <a:off x="1024128" y="6470704"/>
-            <a:ext cx="2154142" cy="274320"/>
-          </a:xfrm>
-          <a:prstGeom prst="rect">
-            <a:avLst/>
-          </a:prstGeom>
-          <a:noFill/>
-          <a:ln>
-            <a:noFill/>
-          </a:ln>
-        </p:spPr>
-        <p:txBody>
-          <a:bodyPr spcFirstLastPara="1" wrap="square" lIns="91425" tIns="45700" rIns="91425" bIns="45700" anchor="ctr" anchorCtr="0">
-            <a:noAutofit/>
-          </a:bodyPr>
-          <a:lstStyle/>
-          <a:p>
-            <a:pPr marL="0" lvl="0" indent="0" algn="l" rtl="0">
-              <a:spcBef>
-                <a:spcPts val="0"/>
-              </a:spcBef>
-              <a:spcAft>
-                <a:spcPts val="0"/>
-              </a:spcAft>
-              <a:buNone/>
-            </a:pPr>
-            <a:r>
-              <a:rPr lang="en-US" smtClean="0"/>
-              <a:t>8/30/2021</a:t>
-            </a:r>
-            <a:endParaRPr/>
-          </a:p>
-        </p:txBody>
-      </p:sp>
-      <p:sp>
-        <p:nvSpPr>
-          <p:cNvPr id="141" name="Google Shape;141;p6"/>
-          <p:cNvSpPr txBox="1">
-            <a:spLocks noGrp="1"/>
-          </p:cNvSpPr>
-          <p:nvPr>
-            <p:ph type="ftr" idx="11"/>
-          </p:nvPr>
-        </p:nvSpPr>
-        <p:spPr>
-          <a:xfrm>
-            <a:off x="4842932" y="6470704"/>
-            <a:ext cx="5901458" cy="274320"/>
-          </a:xfrm>
-          <a:prstGeom prst="rect">
-            <a:avLst/>
-          </a:prstGeom>
-          <a:noFill/>
-          <a:ln>
-            <a:noFill/>
-          </a:ln>
-        </p:spPr>
-        <p:txBody>
-          <a:bodyPr spcFirstLastPara="1" wrap="square" lIns="91425" tIns="45700" rIns="91425" bIns="45700" anchor="ctr" anchorCtr="0">
-            <a:noAutofit/>
-          </a:bodyPr>
-          <a:lstStyle/>
-          <a:p>
-            <a:pPr marL="0" lvl="0" indent="0" algn="r" rtl="0">
-              <a:spcBef>
-                <a:spcPts val="0"/>
-              </a:spcBef>
-              <a:spcAft>
-                <a:spcPts val="0"/>
-              </a:spcAft>
-              <a:buNone/>
-            </a:pPr>
-            <a:r>
-              <a:rPr lang="en-US" smtClean="0"/>
-              <a:t>minhajul@cse.uiu.ac.bd</a:t>
-            </a:r>
-            <a:endParaRPr/>
-          </a:p>
-        </p:txBody>
-      </p:sp>
-      <p:sp>
-        <p:nvSpPr>
           <p:cNvPr id="142" name="Google Shape;142;p6"/>
           <p:cNvSpPr txBox="1">
             <a:spLocks noGrp="1"/>
@@ -13472,98 +11602,6 @@
       </p:sp>
       <p:sp>
         <p:nvSpPr>
-          <p:cNvPr id="148" name="Google Shape;148;p7"/>
-          <p:cNvSpPr txBox="1">
-            <a:spLocks noGrp="1"/>
-          </p:cNvSpPr>
-          <p:nvPr>
-            <p:ph type="dt" idx="10"/>
-          </p:nvPr>
-        </p:nvSpPr>
-        <p:spPr>
-          <a:xfrm>
-            <a:off x="1024128" y="6470704"/>
-            <a:ext cx="2154142" cy="274320"/>
-          </a:xfrm>
-          <a:prstGeom prst="rect">
-            <a:avLst/>
-          </a:prstGeom>
-          <a:noFill/>
-          <a:ln>
-            <a:noFill/>
-          </a:ln>
-        </p:spPr>
-        <p:txBody>
-          <a:bodyPr spcFirstLastPara="1" wrap="square" lIns="91425" tIns="45700" rIns="91425" bIns="45700" anchor="ctr" anchorCtr="0">
-            <a:noAutofit/>
-          </a:bodyPr>
-          <a:lstStyle/>
-          <a:p>
-            <a:pPr marL="0" lvl="0" indent="0" algn="l" rtl="0">
-              <a:spcBef>
-                <a:spcPts val="0"/>
-              </a:spcBef>
-              <a:spcAft>
-                <a:spcPts val="0"/>
-              </a:spcAft>
-              <a:buNone/>
-            </a:pPr>
-            <a:r>
-              <a:rPr lang="en-US" smtClean="0"/>
-              <a:t>8/30/2021</a:t>
-            </a:r>
-            <a:endParaRPr/>
-          </a:p>
-        </p:txBody>
-      </p:sp>
-      <p:sp>
-        <p:nvSpPr>
-          <p:cNvPr id="149" name="Google Shape;149;p7"/>
-          <p:cNvSpPr txBox="1">
-            <a:spLocks noGrp="1"/>
-          </p:cNvSpPr>
-          <p:nvPr>
-            <p:ph type="ftr" idx="11"/>
-          </p:nvPr>
-        </p:nvSpPr>
-        <p:spPr>
-          <a:xfrm>
-            <a:off x="4842932" y="6470704"/>
-            <a:ext cx="5901458" cy="274320"/>
-          </a:xfrm>
-          <a:prstGeom prst="rect">
-            <a:avLst/>
-          </a:prstGeom>
-          <a:noFill/>
-          <a:ln>
-            <a:noFill/>
-          </a:ln>
-        </p:spPr>
-        <p:txBody>
-          <a:bodyPr spcFirstLastPara="1" wrap="square" lIns="91425" tIns="45700" rIns="91425" bIns="45700" anchor="ctr" anchorCtr="0">
-            <a:noAutofit/>
-          </a:bodyPr>
-          <a:lstStyle/>
-          <a:p>
-            <a:pPr marL="0" lvl="0" indent="0" algn="r" rtl="0">
-              <a:spcBef>
-                <a:spcPts val="0"/>
-              </a:spcBef>
-              <a:spcAft>
-                <a:spcPts val="0"/>
-              </a:spcAft>
-              <a:buNone/>
-            </a:pPr>
-            <a:r>
-              <a:rPr lang="en-US" smtClean="0"/>
-              <a:t>minhajul@cse.uiu.ac.bd</a:t>
-            </a:r>
-            <a:endParaRPr/>
-          </a:p>
-        </p:txBody>
-      </p:sp>
-      <p:sp>
-        <p:nvSpPr>
           <p:cNvPr id="150" name="Google Shape;150;p7"/>
           <p:cNvSpPr txBox="1">
             <a:spLocks noGrp="1"/>
@@ -13876,98 +11914,6 @@
       </p:sp>
       <p:sp>
         <p:nvSpPr>
-          <p:cNvPr id="157" name="Google Shape;157;p8"/>
-          <p:cNvSpPr txBox="1">
-            <a:spLocks noGrp="1"/>
-          </p:cNvSpPr>
-          <p:nvPr>
-            <p:ph type="dt" idx="10"/>
-          </p:nvPr>
-        </p:nvSpPr>
-        <p:spPr>
-          <a:xfrm>
-            <a:off x="1024128" y="6470704"/>
-            <a:ext cx="2154142" cy="274320"/>
-          </a:xfrm>
-          <a:prstGeom prst="rect">
-            <a:avLst/>
-          </a:prstGeom>
-          <a:noFill/>
-          <a:ln>
-            <a:noFill/>
-          </a:ln>
-        </p:spPr>
-        <p:txBody>
-          <a:bodyPr spcFirstLastPara="1" wrap="square" lIns="91425" tIns="45700" rIns="91425" bIns="45700" anchor="ctr" anchorCtr="0">
-            <a:noAutofit/>
-          </a:bodyPr>
-          <a:lstStyle/>
-          <a:p>
-            <a:pPr marL="0" lvl="0" indent="0" algn="l" rtl="0">
-              <a:spcBef>
-                <a:spcPts val="0"/>
-              </a:spcBef>
-              <a:spcAft>
-                <a:spcPts val="0"/>
-              </a:spcAft>
-              <a:buNone/>
-            </a:pPr>
-            <a:r>
-              <a:rPr lang="en-US" smtClean="0"/>
-              <a:t>8/30/2021</a:t>
-            </a:r>
-            <a:endParaRPr/>
-          </a:p>
-        </p:txBody>
-      </p:sp>
-      <p:sp>
-        <p:nvSpPr>
-          <p:cNvPr id="158" name="Google Shape;158;p8"/>
-          <p:cNvSpPr txBox="1">
-            <a:spLocks noGrp="1"/>
-          </p:cNvSpPr>
-          <p:nvPr>
-            <p:ph type="ftr" idx="11"/>
-          </p:nvPr>
-        </p:nvSpPr>
-        <p:spPr>
-          <a:xfrm>
-            <a:off x="4842932" y="6470704"/>
-            <a:ext cx="5901458" cy="274320"/>
-          </a:xfrm>
-          <a:prstGeom prst="rect">
-            <a:avLst/>
-          </a:prstGeom>
-          <a:noFill/>
-          <a:ln>
-            <a:noFill/>
-          </a:ln>
-        </p:spPr>
-        <p:txBody>
-          <a:bodyPr spcFirstLastPara="1" wrap="square" lIns="91425" tIns="45700" rIns="91425" bIns="45700" anchor="ctr" anchorCtr="0">
-            <a:noAutofit/>
-          </a:bodyPr>
-          <a:lstStyle/>
-          <a:p>
-            <a:pPr marL="0" lvl="0" indent="0" algn="r" rtl="0">
-              <a:spcBef>
-                <a:spcPts val="0"/>
-              </a:spcBef>
-              <a:spcAft>
-                <a:spcPts val="0"/>
-              </a:spcAft>
-              <a:buNone/>
-            </a:pPr>
-            <a:r>
-              <a:rPr lang="en-US" smtClean="0"/>
-              <a:t>minhajul@cse.uiu.ac.bd</a:t>
-            </a:r>
-            <a:endParaRPr/>
-          </a:p>
-        </p:txBody>
-      </p:sp>
-      <p:sp>
-        <p:nvSpPr>
           <p:cNvPr id="159" name="Google Shape;159;p8"/>
           <p:cNvSpPr txBox="1">
             <a:spLocks noGrp="1"/>
@@ -14150,98 +12096,6 @@
           </a:ln>
         </p:spPr>
       </p:pic>
-      <p:sp>
-        <p:nvSpPr>
-          <p:cNvPr id="168" name="Google Shape;168;p9"/>
-          <p:cNvSpPr txBox="1">
-            <a:spLocks noGrp="1"/>
-          </p:cNvSpPr>
-          <p:nvPr>
-            <p:ph type="dt" idx="10"/>
-          </p:nvPr>
-        </p:nvSpPr>
-        <p:spPr>
-          <a:xfrm>
-            <a:off x="1024128" y="6470704"/>
-            <a:ext cx="2154142" cy="274320"/>
-          </a:xfrm>
-          <a:prstGeom prst="rect">
-            <a:avLst/>
-          </a:prstGeom>
-          <a:noFill/>
-          <a:ln>
-            <a:noFill/>
-          </a:ln>
-        </p:spPr>
-        <p:txBody>
-          <a:bodyPr spcFirstLastPara="1" wrap="square" lIns="91425" tIns="45700" rIns="91425" bIns="45700" anchor="ctr" anchorCtr="0">
-            <a:noAutofit/>
-          </a:bodyPr>
-          <a:lstStyle/>
-          <a:p>
-            <a:pPr marL="0" lvl="0" indent="0" algn="l" rtl="0">
-              <a:spcBef>
-                <a:spcPts val="0"/>
-              </a:spcBef>
-              <a:spcAft>
-                <a:spcPts val="0"/>
-              </a:spcAft>
-              <a:buNone/>
-            </a:pPr>
-            <a:r>
-              <a:rPr lang="en-US" smtClean="0"/>
-              <a:t>8/30/2021</a:t>
-            </a:r>
-            <a:endParaRPr/>
-          </a:p>
-        </p:txBody>
-      </p:sp>
-      <p:sp>
-        <p:nvSpPr>
-          <p:cNvPr id="169" name="Google Shape;169;p9"/>
-          <p:cNvSpPr txBox="1">
-            <a:spLocks noGrp="1"/>
-          </p:cNvSpPr>
-          <p:nvPr>
-            <p:ph type="ftr" idx="11"/>
-          </p:nvPr>
-        </p:nvSpPr>
-        <p:spPr>
-          <a:xfrm>
-            <a:off x="4842932" y="6470704"/>
-            <a:ext cx="5901458" cy="274320"/>
-          </a:xfrm>
-          <a:prstGeom prst="rect">
-            <a:avLst/>
-          </a:prstGeom>
-          <a:noFill/>
-          <a:ln>
-            <a:noFill/>
-          </a:ln>
-        </p:spPr>
-        <p:txBody>
-          <a:bodyPr spcFirstLastPara="1" wrap="square" lIns="91425" tIns="45700" rIns="91425" bIns="45700" anchor="ctr" anchorCtr="0">
-            <a:noAutofit/>
-          </a:bodyPr>
-          <a:lstStyle/>
-          <a:p>
-            <a:pPr marL="0" lvl="0" indent="0" algn="r" rtl="0">
-              <a:spcBef>
-                <a:spcPts val="0"/>
-              </a:spcBef>
-              <a:spcAft>
-                <a:spcPts val="0"/>
-              </a:spcAft>
-              <a:buNone/>
-            </a:pPr>
-            <a:r>
-              <a:rPr lang="en-US" smtClean="0"/>
-              <a:t>minhajul@cse.uiu.ac.bd</a:t>
-            </a:r>
-            <a:endParaRPr/>
-          </a:p>
-        </p:txBody>
-      </p:sp>
       <p:sp>
         <p:nvSpPr>
           <p:cNvPr id="170" name="Google Shape;170;p9"/>
@@ -14566,7 +12420,7 @@
   <a:extraClrSchemeLst/>
   <a:extLst>
     <a:ext uri="{05A4C25C-085E-4340-85A3-A5531E510DB2}">
-      <thm15:themeFamily xmlns="" xmlns:thm15="http://schemas.microsoft.com/office/thememl/2012/main" name="lectures-v3.potx" id="{31DC09EC-9876-43F3-B3C5-34B7AAF70CAA}" vid="{E5D0234B-1864-4CAD-B1A8-C5C46492CB38}"/>
+      <thm15:themeFamily xmlns:thm15="http://schemas.microsoft.com/office/thememl/2012/main" name="lectures-v3.potx" id="{31DC09EC-9876-43F3-B3C5-34B7AAF70CAA}" vid="{E5D0234B-1864-4CAD-B1A8-C5C46492CB38}"/>
     </a:ext>
   </a:extLst>
 </a:theme>
@@ -14827,7 +12681,7 @@
   <a:extraClrSchemeLst/>
   <a:extLst>
     <a:ext uri="{05A4C25C-085E-4340-85A3-A5531E510DB2}">
-      <thm15:themeFamily xmlns="" xmlns:thm15="http://schemas.microsoft.com/office/thememl/2012/main" name="Office Theme" id="{62F939B6-93AF-4DB8-9C6B-D6C7DFDC589F}" vid="{4A3C46E8-61CC-4603-A589-7422A47A8E4A}"/>
+      <thm15:themeFamily xmlns:thm15="http://schemas.microsoft.com/office/thememl/2012/main" name="Office Theme" id="{62F939B6-93AF-4DB8-9C6B-D6C7DFDC589F}" vid="{4A3C46E8-61CC-4603-A589-7422A47A8E4A}"/>
     </a:ext>
   </a:extLst>
 </a:theme>
